--- a/Master Work Presentation.pptx
+++ b/Master Work Presentation.pptx
@@ -6,6 +6,24 @@
   </p:sldMasterIdLst>
   <p:sldIdLst>
     <p:sldId id="256" r:id="rId2"/>
+    <p:sldId id="274" r:id="rId3"/>
+    <p:sldId id="257" r:id="rId4"/>
+    <p:sldId id="258" r:id="rId5"/>
+    <p:sldId id="259" r:id="rId6"/>
+    <p:sldId id="260" r:id="rId7"/>
+    <p:sldId id="261" r:id="rId8"/>
+    <p:sldId id="262" r:id="rId9"/>
+    <p:sldId id="263" r:id="rId10"/>
+    <p:sldId id="264" r:id="rId11"/>
+    <p:sldId id="265" r:id="rId12"/>
+    <p:sldId id="266" r:id="rId13"/>
+    <p:sldId id="267" r:id="rId14"/>
+    <p:sldId id="268" r:id="rId15"/>
+    <p:sldId id="269" r:id="rId16"/>
+    <p:sldId id="270" r:id="rId17"/>
+    <p:sldId id="271" r:id="rId18"/>
+    <p:sldId id="272" r:id="rId19"/>
+    <p:sldId id="273" r:id="rId20"/>
   </p:sldIdLst>
   <p:sldSz cx="12192000" cy="6858000"/>
   <p:notesSz cx="6858000" cy="9144000"/>
@@ -104,6 +122,11 @@
       </a:defRPr>
     </a:lvl9pPr>
   </p:defaultTextStyle>
+  <p:extLst>
+    <p:ext uri="{EFAFB233-063F-42B5-8137-9DF3F51BA10A}">
+      <p15:sldGuideLst xmlns:p15="http://schemas.microsoft.com/office/powerpoint/2012/main"/>
+    </p:ext>
+  </p:extLst>
 </p:presentation>
 </file>
 
@@ -256,7 +279,7 @@
           <a:p>
             <a:fld id="{D7D823B0-A0D2-405D-82D9-DD8651CEBDD8}" type="datetimeFigureOut">
               <a:rPr lang="ru-MD" smtClean="0"/>
-              <a:t>09.03.2021</a:t>
+              <a:t>28.03.2021</a:t>
             </a:fld>
             <a:endParaRPr lang="ru-MD"/>
           </a:p>
@@ -456,7 +479,7 @@
           <a:p>
             <a:fld id="{D7D823B0-A0D2-405D-82D9-DD8651CEBDD8}" type="datetimeFigureOut">
               <a:rPr lang="ru-MD" smtClean="0"/>
-              <a:t>09.03.2021</a:t>
+              <a:t>28.03.2021</a:t>
             </a:fld>
             <a:endParaRPr lang="ru-MD"/>
           </a:p>
@@ -666,7 +689,7 @@
           <a:p>
             <a:fld id="{D7D823B0-A0D2-405D-82D9-DD8651CEBDD8}" type="datetimeFigureOut">
               <a:rPr lang="ru-MD" smtClean="0"/>
-              <a:t>09.03.2021</a:t>
+              <a:t>28.03.2021</a:t>
             </a:fld>
             <a:endParaRPr lang="ru-MD"/>
           </a:p>
@@ -866,7 +889,7 @@
           <a:p>
             <a:fld id="{D7D823B0-A0D2-405D-82D9-DD8651CEBDD8}" type="datetimeFigureOut">
               <a:rPr lang="ru-MD" smtClean="0"/>
-              <a:t>09.03.2021</a:t>
+              <a:t>28.03.2021</a:t>
             </a:fld>
             <a:endParaRPr lang="ru-MD"/>
           </a:p>
@@ -1142,7 +1165,7 @@
           <a:p>
             <a:fld id="{D7D823B0-A0D2-405D-82D9-DD8651CEBDD8}" type="datetimeFigureOut">
               <a:rPr lang="ru-MD" smtClean="0"/>
-              <a:t>09.03.2021</a:t>
+              <a:t>28.03.2021</a:t>
             </a:fld>
             <a:endParaRPr lang="ru-MD"/>
           </a:p>
@@ -1410,7 +1433,7 @@
           <a:p>
             <a:fld id="{D7D823B0-A0D2-405D-82D9-DD8651CEBDD8}" type="datetimeFigureOut">
               <a:rPr lang="ru-MD" smtClean="0"/>
-              <a:t>09.03.2021</a:t>
+              <a:t>28.03.2021</a:t>
             </a:fld>
             <a:endParaRPr lang="ru-MD"/>
           </a:p>
@@ -1825,7 +1848,7 @@
           <a:p>
             <a:fld id="{D7D823B0-A0D2-405D-82D9-DD8651CEBDD8}" type="datetimeFigureOut">
               <a:rPr lang="ru-MD" smtClean="0"/>
-              <a:t>09.03.2021</a:t>
+              <a:t>28.03.2021</a:t>
             </a:fld>
             <a:endParaRPr lang="ru-MD"/>
           </a:p>
@@ -1967,7 +1990,7 @@
           <a:p>
             <a:fld id="{D7D823B0-A0D2-405D-82D9-DD8651CEBDD8}" type="datetimeFigureOut">
               <a:rPr lang="ru-MD" smtClean="0"/>
-              <a:t>09.03.2021</a:t>
+              <a:t>28.03.2021</a:t>
             </a:fld>
             <a:endParaRPr lang="ru-MD"/>
           </a:p>
@@ -2080,7 +2103,7 @@
           <a:p>
             <a:fld id="{D7D823B0-A0D2-405D-82D9-DD8651CEBDD8}" type="datetimeFigureOut">
               <a:rPr lang="ru-MD" smtClean="0"/>
-              <a:t>09.03.2021</a:t>
+              <a:t>28.03.2021</a:t>
             </a:fld>
             <a:endParaRPr lang="ru-MD"/>
           </a:p>
@@ -2393,7 +2416,7 @@
           <a:p>
             <a:fld id="{D7D823B0-A0D2-405D-82D9-DD8651CEBDD8}" type="datetimeFigureOut">
               <a:rPr lang="ru-MD" smtClean="0"/>
-              <a:t>09.03.2021</a:t>
+              <a:t>28.03.2021</a:t>
             </a:fld>
             <a:endParaRPr lang="ru-MD"/>
           </a:p>
@@ -2682,7 +2705,7 @@
           <a:p>
             <a:fld id="{D7D823B0-A0D2-405D-82D9-DD8651CEBDD8}" type="datetimeFigureOut">
               <a:rPr lang="ru-MD" smtClean="0"/>
-              <a:t>09.03.2021</a:t>
+              <a:t>28.03.2021</a:t>
             </a:fld>
             <a:endParaRPr lang="ru-MD"/>
           </a:p>
@@ -2925,7 +2948,7 @@
           <a:p>
             <a:fld id="{D7D823B0-A0D2-405D-82D9-DD8651CEBDD8}" type="datetimeFigureOut">
               <a:rPr lang="ru-MD" smtClean="0"/>
-              <a:t>09.03.2021</a:t>
+              <a:t>28.03.2021</a:t>
             </a:fld>
             <a:endParaRPr lang="ru-MD"/>
           </a:p>
@@ -3342,6 +3365,42 @@
           <a:chExt cx="0" cy="0"/>
         </a:xfrm>
       </p:grpSpPr>
+      <p:pic>
+        <p:nvPicPr>
+          <p:cNvPr id="5" name="Picture 4">
+            <a:extLst>
+              <a:ext uri="{FF2B5EF4-FFF2-40B4-BE49-F238E27FC236}">
+                <a16:creationId xmlns:a16="http://schemas.microsoft.com/office/drawing/2014/main" id="{EF944040-F874-4AB9-8468-4BFB22FD5D09}"/>
+              </a:ext>
+            </a:extLst>
+          </p:cNvPr>
+          <p:cNvPicPr>
+            <a:picLocks noChangeAspect="1"/>
+          </p:cNvPicPr>
+          <p:nvPr/>
+        </p:nvPicPr>
+        <p:blipFill>
+          <a:blip r:embed="rId2">
+            <a:extLst>
+              <a:ext uri="{28A0092B-C50C-407E-A947-70E740481C1C}">
+                <a14:useLocalDpi xmlns:a14="http://schemas.microsoft.com/office/drawing/2010/main" val="0"/>
+              </a:ext>
+            </a:extLst>
+          </a:blip>
+          <a:stretch>
+            <a:fillRect/>
+          </a:stretch>
+        </p:blipFill>
+        <p:spPr>
+          <a:xfrm>
+            <a:off x="0" y="0"/>
+            <a:ext cx="12192000" cy="6858000"/>
+          </a:xfrm>
+          <a:prstGeom prst="rect">
+            <a:avLst/>
+          </a:prstGeom>
+        </p:spPr>
+      </p:pic>
       <p:sp>
         <p:nvSpPr>
           <p:cNvPr id="2" name="Title 1">
@@ -3358,12 +3417,76 @@
             <p:ph type="ctrTitle"/>
           </p:nvPr>
         </p:nvSpPr>
-        <p:spPr/>
-        <p:txBody>
-          <a:bodyPr/>
+        <p:spPr>
+          <a:xfrm>
+            <a:off x="4516016" y="1390395"/>
+            <a:ext cx="6671388" cy="2038606"/>
+          </a:xfrm>
+        </p:spPr>
+        <p:txBody>
+          <a:bodyPr>
+            <a:normAutofit/>
+          </a:bodyPr>
           <a:lstStyle/>
           <a:p>
-            <a:endParaRPr lang="ru-MD"/>
+            <a:pPr algn="l"/>
+            <a:r>
+              <a:rPr lang="en-US" sz="4000" b="1" dirty="0">
+                <a:solidFill>
+                  <a:schemeClr val="bg1"/>
+                </a:solidFill>
+                <a:latin typeface="Arial" panose="020B0604020202020204" pitchFamily="34" charset="0"/>
+                <a:cs typeface="Arial" panose="020B0604020202020204" pitchFamily="34" charset="0"/>
+              </a:rPr>
+              <a:t>Angular Elements </a:t>
+            </a:r>
+            <a:r>
+              <a:rPr lang="ru-MD" sz="4000" b="1" dirty="0">
+                <a:solidFill>
+                  <a:schemeClr val="bg1"/>
+                </a:solidFill>
+                <a:latin typeface="Arial" panose="020B0604020202020204" pitchFamily="34" charset="0"/>
+                <a:cs typeface="Arial" panose="020B0604020202020204" pitchFamily="34" charset="0"/>
+              </a:rPr>
+              <a:t>и </a:t>
+            </a:r>
+            <a:r>
+              <a:rPr lang="en-US" sz="4000" b="1" dirty="0">
+                <a:solidFill>
+                  <a:schemeClr val="bg1"/>
+                </a:solidFill>
+                <a:latin typeface="Arial" panose="020B0604020202020204" pitchFamily="34" charset="0"/>
+                <a:cs typeface="Arial" panose="020B0604020202020204" pitchFamily="34" charset="0"/>
+              </a:rPr>
+              <a:t>Lazy-Loading </a:t>
+            </a:r>
+            <a:r>
+              <a:rPr lang="ru-MD" sz="4000" b="1" dirty="0">
+                <a:solidFill>
+                  <a:schemeClr val="bg1"/>
+                </a:solidFill>
+                <a:latin typeface="Arial" panose="020B0604020202020204" pitchFamily="34" charset="0"/>
+                <a:cs typeface="Arial" panose="020B0604020202020204" pitchFamily="34" charset="0"/>
+              </a:rPr>
+              <a:t>в парадигме </a:t>
+            </a:r>
+            <a:r>
+              <a:rPr lang="en-US" sz="4000" b="1" dirty="0">
+                <a:solidFill>
+                  <a:schemeClr val="bg1"/>
+                </a:solidFill>
+                <a:latin typeface="Arial" panose="020B0604020202020204" pitchFamily="34" charset="0"/>
+                <a:cs typeface="Arial" panose="020B0604020202020204" pitchFamily="34" charset="0"/>
+              </a:rPr>
+              <a:t>SSR</a:t>
+            </a:r>
+            <a:endParaRPr lang="ru-MD" sz="4000" b="1" dirty="0">
+              <a:solidFill>
+                <a:schemeClr val="bg1"/>
+              </a:solidFill>
+              <a:latin typeface="Arial" panose="020B0604020202020204" pitchFamily="34" charset="0"/>
+              <a:cs typeface="Arial" panose="020B0604020202020204" pitchFamily="34" charset="0"/>
+            </a:endParaRPr>
           </a:p>
         </p:txBody>
       </p:sp>
@@ -3383,19 +3506,4840 @@
             <p:ph type="subTitle" idx="1"/>
           </p:nvPr>
         </p:nvSpPr>
-        <p:spPr/>
-        <p:txBody>
-          <a:bodyPr/>
+        <p:spPr>
+          <a:xfrm>
+            <a:off x="4516016" y="4163588"/>
+            <a:ext cx="4189989" cy="1133272"/>
+          </a:xfrm>
+        </p:spPr>
+        <p:txBody>
+          <a:bodyPr>
+            <a:normAutofit/>
+          </a:bodyPr>
           <a:lstStyle/>
           <a:p>
-            <a:endParaRPr lang="ru-MD"/>
-          </a:p>
-        </p:txBody>
-      </p:sp>
+            <a:pPr algn="l">
+              <a:lnSpc>
+                <a:spcPct val="100000"/>
+              </a:lnSpc>
+            </a:pPr>
+            <a:r>
+              <a:rPr lang="ru-RU" sz="2000" dirty="0">
+                <a:latin typeface="Arial" panose="020B0604020202020204" pitchFamily="34" charset="0"/>
+                <a:cs typeface="Arial" panose="020B0604020202020204" pitchFamily="34" charset="0"/>
+              </a:rPr>
+              <a:t>Выполнил: Рошка Юрий</a:t>
+            </a:r>
+          </a:p>
+          <a:p>
+            <a:pPr algn="l">
+              <a:lnSpc>
+                <a:spcPct val="100000"/>
+              </a:lnSpc>
+            </a:pPr>
+            <a:r>
+              <a:rPr lang="ru-RU" sz="2000" dirty="0">
+                <a:latin typeface="Arial" panose="020B0604020202020204" pitchFamily="34" charset="0"/>
+                <a:cs typeface="Arial" panose="020B0604020202020204" pitchFamily="34" charset="0"/>
+              </a:rPr>
+              <a:t>Группа: </a:t>
+            </a:r>
+            <a:r>
+              <a:rPr lang="en-US" sz="2000" dirty="0">
+                <a:latin typeface="Arial" panose="020B0604020202020204" pitchFamily="34" charset="0"/>
+                <a:cs typeface="Arial" panose="020B0604020202020204" pitchFamily="34" charset="0"/>
+              </a:rPr>
+              <a:t>AW2</a:t>
+            </a:r>
+            <a:r>
+              <a:rPr lang="ru-RU" sz="2000" dirty="0">
+                <a:latin typeface="Arial" panose="020B0604020202020204" pitchFamily="34" charset="0"/>
+                <a:cs typeface="Arial" panose="020B0604020202020204" pitchFamily="34" charset="0"/>
+              </a:rPr>
+              <a:t>1</a:t>
+            </a:r>
+            <a:r>
+              <a:rPr lang="en-US" sz="2000" dirty="0">
+                <a:latin typeface="Arial" panose="020B0604020202020204" pitchFamily="34" charset="0"/>
+                <a:cs typeface="Arial" panose="020B0604020202020204" pitchFamily="34" charset="0"/>
+              </a:rPr>
+              <a:t>M</a:t>
+            </a:r>
+            <a:endParaRPr lang="ru-RU" sz="2000" dirty="0">
+              <a:latin typeface="Arial" panose="020B0604020202020204" pitchFamily="34" charset="0"/>
+              <a:cs typeface="Arial" panose="020B0604020202020204" pitchFamily="34" charset="0"/>
+            </a:endParaRPr>
+          </a:p>
+        </p:txBody>
+      </p:sp>
+      <p:pic>
+        <p:nvPicPr>
+          <p:cNvPr id="8" name="Graphic 7">
+            <a:extLst>
+              <a:ext uri="{FF2B5EF4-FFF2-40B4-BE49-F238E27FC236}">
+                <a16:creationId xmlns:a16="http://schemas.microsoft.com/office/drawing/2014/main" id="{89D02717-ED33-4A82-B509-A9885EE82569}"/>
+              </a:ext>
+            </a:extLst>
+          </p:cNvPr>
+          <p:cNvPicPr>
+            <a:picLocks noChangeAspect="1"/>
+          </p:cNvPicPr>
+          <p:nvPr/>
+        </p:nvPicPr>
+        <p:blipFill>
+          <a:blip r:embed="rId3">
+            <a:extLst>
+              <a:ext uri="{28A0092B-C50C-407E-A947-70E740481C1C}">
+                <a14:useLocalDpi xmlns:a14="http://schemas.microsoft.com/office/drawing/2010/main" val="0"/>
+              </a:ext>
+              <a:ext uri="{96DAC541-7B7A-43D3-8B79-37D633B846F1}">
+                <asvg:svgBlip xmlns:asvg="http://schemas.microsoft.com/office/drawing/2016/SVG/main" r:embed="rId4"/>
+              </a:ext>
+            </a:extLst>
+          </a:blip>
+          <a:stretch>
+            <a:fillRect/>
+          </a:stretch>
+        </p:blipFill>
+        <p:spPr>
+          <a:xfrm>
+            <a:off x="1214538" y="1000082"/>
+            <a:ext cx="3562191" cy="3562191"/>
+          </a:xfrm>
+          <a:prstGeom prst="rect">
+            <a:avLst/>
+          </a:prstGeom>
+        </p:spPr>
+      </p:pic>
     </p:spTree>
     <p:extLst>
       <p:ext uri="{BB962C8B-B14F-4D97-AF65-F5344CB8AC3E}">
         <p14:creationId xmlns:p14="http://schemas.microsoft.com/office/powerpoint/2010/main" val="1585770988"/>
+      </p:ext>
+    </p:extLst>
+  </p:cSld>
+  <p:clrMapOvr>
+    <a:masterClrMapping/>
+  </p:clrMapOvr>
+  <p:timing>
+    <p:tnLst>
+      <p:par>
+        <p:cTn id="1" dur="indefinite" restart="never" nodeType="tmRoot">
+          <p:childTnLst>
+            <p:seq concurrent="1" nextAc="seek">
+              <p:cTn id="2" dur="indefinite" nodeType="mainSeq">
+                <p:childTnLst>
+                  <p:par>
+                    <p:cTn id="3" fill="hold">
+                      <p:stCondLst>
+                        <p:cond delay="indefinite"/>
+                        <p:cond evt="onBegin" delay="0">
+                          <p:tn val="2"/>
+                        </p:cond>
+                      </p:stCondLst>
+                      <p:childTnLst>
+                        <p:par>
+                          <p:cTn id="4" fill="hold">
+                            <p:stCondLst>
+                              <p:cond delay="0"/>
+                            </p:stCondLst>
+                            <p:childTnLst>
+                              <p:par>
+                                <p:cTn id="5" presetID="14" presetClass="entr" presetSubtype="10" fill="hold" nodeType="withEffect">
+                                  <p:stCondLst>
+                                    <p:cond delay="1500"/>
+                                  </p:stCondLst>
+                                  <p:childTnLst>
+                                    <p:set>
+                                      <p:cBhvr>
+                                        <p:cTn id="6" dur="1" fill="hold">
+                                          <p:stCondLst>
+                                            <p:cond delay="0"/>
+                                          </p:stCondLst>
+                                        </p:cTn>
+                                        <p:tgtEl>
+                                          <p:spTgt spid="8"/>
+                                        </p:tgtEl>
+                                        <p:attrNameLst>
+                                          <p:attrName>style.visibility</p:attrName>
+                                        </p:attrNameLst>
+                                      </p:cBhvr>
+                                      <p:to>
+                                        <p:strVal val="visible"/>
+                                      </p:to>
+                                    </p:set>
+                                    <p:animEffect transition="in" filter="randombar(horizontal)">
+                                      <p:cBhvr>
+                                        <p:cTn id="7" dur="500"/>
+                                        <p:tgtEl>
+                                          <p:spTgt spid="8"/>
+                                        </p:tgtEl>
+                                      </p:cBhvr>
+                                    </p:animEffect>
+                                  </p:childTnLst>
+                                </p:cTn>
+                              </p:par>
+                              <p:par>
+                                <p:cTn id="8" presetID="22" presetClass="entr" presetSubtype="4" fill="hold" grpId="0" nodeType="withEffect">
+                                  <p:stCondLst>
+                                    <p:cond delay="500"/>
+                                  </p:stCondLst>
+                                  <p:childTnLst>
+                                    <p:set>
+                                      <p:cBhvr>
+                                        <p:cTn id="9" dur="1" fill="hold">
+                                          <p:stCondLst>
+                                            <p:cond delay="0"/>
+                                          </p:stCondLst>
+                                        </p:cTn>
+                                        <p:tgtEl>
+                                          <p:spTgt spid="2"/>
+                                        </p:tgtEl>
+                                        <p:attrNameLst>
+                                          <p:attrName>style.visibility</p:attrName>
+                                        </p:attrNameLst>
+                                      </p:cBhvr>
+                                      <p:to>
+                                        <p:strVal val="visible"/>
+                                      </p:to>
+                                    </p:set>
+                                    <p:animEffect transition="in" filter="wipe(down)">
+                                      <p:cBhvr>
+                                        <p:cTn id="10" dur="750"/>
+                                        <p:tgtEl>
+                                          <p:spTgt spid="2"/>
+                                        </p:tgtEl>
+                                      </p:cBhvr>
+                                    </p:animEffect>
+                                  </p:childTnLst>
+                                </p:cTn>
+                              </p:par>
+                              <p:par>
+                                <p:cTn id="11" presetID="42" presetClass="entr" presetSubtype="0" fill="hold" grpId="0" nodeType="withEffect">
+                                  <p:stCondLst>
+                                    <p:cond delay="750"/>
+                                  </p:stCondLst>
+                                  <p:childTnLst>
+                                    <p:set>
+                                      <p:cBhvr>
+                                        <p:cTn id="12" dur="1" fill="hold">
+                                          <p:stCondLst>
+                                            <p:cond delay="0"/>
+                                          </p:stCondLst>
+                                        </p:cTn>
+                                        <p:tgtEl>
+                                          <p:spTgt spid="3">
+                                            <p:txEl>
+                                              <p:pRg st="0" end="0"/>
+                                            </p:txEl>
+                                          </p:spTgt>
+                                        </p:tgtEl>
+                                        <p:attrNameLst>
+                                          <p:attrName>style.visibility</p:attrName>
+                                        </p:attrNameLst>
+                                      </p:cBhvr>
+                                      <p:to>
+                                        <p:strVal val="visible"/>
+                                      </p:to>
+                                    </p:set>
+                                    <p:animEffect transition="in" filter="fade">
+                                      <p:cBhvr>
+                                        <p:cTn id="13" dur="500"/>
+                                        <p:tgtEl>
+                                          <p:spTgt spid="3">
+                                            <p:txEl>
+                                              <p:pRg st="0" end="0"/>
+                                            </p:txEl>
+                                          </p:spTgt>
+                                        </p:tgtEl>
+                                      </p:cBhvr>
+                                    </p:animEffect>
+                                    <p:anim calcmode="lin" valueType="num">
+                                      <p:cBhvr>
+                                        <p:cTn id="14" dur="500" fill="hold"/>
+                                        <p:tgtEl>
+                                          <p:spTgt spid="3">
+                                            <p:txEl>
+                                              <p:pRg st="0" end="0"/>
+                                            </p:txEl>
+                                          </p:spTgt>
+                                        </p:tgtEl>
+                                        <p:attrNameLst>
+                                          <p:attrName>ppt_x</p:attrName>
+                                        </p:attrNameLst>
+                                      </p:cBhvr>
+                                      <p:tavLst>
+                                        <p:tav tm="0">
+                                          <p:val>
+                                            <p:strVal val="#ppt_x"/>
+                                          </p:val>
+                                        </p:tav>
+                                        <p:tav tm="100000">
+                                          <p:val>
+                                            <p:strVal val="#ppt_x"/>
+                                          </p:val>
+                                        </p:tav>
+                                      </p:tavLst>
+                                    </p:anim>
+                                    <p:anim calcmode="lin" valueType="num">
+                                      <p:cBhvr>
+                                        <p:cTn id="15" dur="500" fill="hold"/>
+                                        <p:tgtEl>
+                                          <p:spTgt spid="3">
+                                            <p:txEl>
+                                              <p:pRg st="0" end="0"/>
+                                            </p:txEl>
+                                          </p:spTgt>
+                                        </p:tgtEl>
+                                        <p:attrNameLst>
+                                          <p:attrName>ppt_y</p:attrName>
+                                        </p:attrNameLst>
+                                      </p:cBhvr>
+                                      <p:tavLst>
+                                        <p:tav tm="0">
+                                          <p:val>
+                                            <p:strVal val="#ppt_y+.1"/>
+                                          </p:val>
+                                        </p:tav>
+                                        <p:tav tm="100000">
+                                          <p:val>
+                                            <p:strVal val="#ppt_y"/>
+                                          </p:val>
+                                        </p:tav>
+                                      </p:tavLst>
+                                    </p:anim>
+                                  </p:childTnLst>
+                                </p:cTn>
+                              </p:par>
+                              <p:par>
+                                <p:cTn id="16" presetID="42" presetClass="entr" presetSubtype="0" fill="hold" grpId="0" nodeType="withEffect">
+                                  <p:stCondLst>
+                                    <p:cond delay="1000"/>
+                                  </p:stCondLst>
+                                  <p:childTnLst>
+                                    <p:set>
+                                      <p:cBhvr>
+                                        <p:cTn id="17" dur="1" fill="hold">
+                                          <p:stCondLst>
+                                            <p:cond delay="0"/>
+                                          </p:stCondLst>
+                                        </p:cTn>
+                                        <p:tgtEl>
+                                          <p:spTgt spid="3">
+                                            <p:txEl>
+                                              <p:pRg st="1" end="1"/>
+                                            </p:txEl>
+                                          </p:spTgt>
+                                        </p:tgtEl>
+                                        <p:attrNameLst>
+                                          <p:attrName>style.visibility</p:attrName>
+                                        </p:attrNameLst>
+                                      </p:cBhvr>
+                                      <p:to>
+                                        <p:strVal val="visible"/>
+                                      </p:to>
+                                    </p:set>
+                                    <p:animEffect transition="in" filter="fade">
+                                      <p:cBhvr>
+                                        <p:cTn id="18" dur="750"/>
+                                        <p:tgtEl>
+                                          <p:spTgt spid="3">
+                                            <p:txEl>
+                                              <p:pRg st="1" end="1"/>
+                                            </p:txEl>
+                                          </p:spTgt>
+                                        </p:tgtEl>
+                                      </p:cBhvr>
+                                    </p:animEffect>
+                                    <p:anim calcmode="lin" valueType="num">
+                                      <p:cBhvr>
+                                        <p:cTn id="19" dur="750" fill="hold"/>
+                                        <p:tgtEl>
+                                          <p:spTgt spid="3">
+                                            <p:txEl>
+                                              <p:pRg st="1" end="1"/>
+                                            </p:txEl>
+                                          </p:spTgt>
+                                        </p:tgtEl>
+                                        <p:attrNameLst>
+                                          <p:attrName>ppt_x</p:attrName>
+                                        </p:attrNameLst>
+                                      </p:cBhvr>
+                                      <p:tavLst>
+                                        <p:tav tm="0">
+                                          <p:val>
+                                            <p:strVal val="#ppt_x"/>
+                                          </p:val>
+                                        </p:tav>
+                                        <p:tav tm="100000">
+                                          <p:val>
+                                            <p:strVal val="#ppt_x"/>
+                                          </p:val>
+                                        </p:tav>
+                                      </p:tavLst>
+                                    </p:anim>
+                                    <p:anim calcmode="lin" valueType="num">
+                                      <p:cBhvr>
+                                        <p:cTn id="20" dur="750" fill="hold"/>
+                                        <p:tgtEl>
+                                          <p:spTgt spid="3">
+                                            <p:txEl>
+                                              <p:pRg st="1" end="1"/>
+                                            </p:txEl>
+                                          </p:spTgt>
+                                        </p:tgtEl>
+                                        <p:attrNameLst>
+                                          <p:attrName>ppt_y</p:attrName>
+                                        </p:attrNameLst>
+                                      </p:cBhvr>
+                                      <p:tavLst>
+                                        <p:tav tm="0">
+                                          <p:val>
+                                            <p:strVal val="#ppt_y+.1"/>
+                                          </p:val>
+                                        </p:tav>
+                                        <p:tav tm="100000">
+                                          <p:val>
+                                            <p:strVal val="#ppt_y"/>
+                                          </p:val>
+                                        </p:tav>
+                                      </p:tavLst>
+                                    </p:anim>
+                                  </p:childTnLst>
+                                </p:cTn>
+                              </p:par>
+                            </p:childTnLst>
+                          </p:cTn>
+                        </p:par>
+                      </p:childTnLst>
+                    </p:cTn>
+                  </p:par>
+                </p:childTnLst>
+              </p:cTn>
+              <p:prevCondLst>
+                <p:cond evt="onPrev" delay="0">
+                  <p:tgtEl>
+                    <p:sldTgt/>
+                  </p:tgtEl>
+                </p:cond>
+              </p:prevCondLst>
+              <p:nextCondLst>
+                <p:cond evt="onNext" delay="0">
+                  <p:tgtEl>
+                    <p:sldTgt/>
+                  </p:tgtEl>
+                </p:cond>
+              </p:nextCondLst>
+            </p:seq>
+          </p:childTnLst>
+        </p:cTn>
+      </p:par>
+    </p:tnLst>
+    <p:bldLst>
+      <p:bldP spid="2" grpId="0"/>
+      <p:bldP spid="3" grpId="0" uiExpand="1" build="p"/>
+    </p:bldLst>
+  </p:timing>
+</p:sld>
+</file>
+
+<file path=ppt/slides/slide10.xml><?xml version="1.0" encoding="utf-8"?>
+<p:sld xmlns:a="http://schemas.openxmlformats.org/drawingml/2006/main" xmlns:r="http://schemas.openxmlformats.org/officeDocument/2006/relationships" xmlns:p="http://schemas.openxmlformats.org/presentationml/2006/main">
+  <p:cSld>
+    <p:spTree>
+      <p:nvGrpSpPr>
+        <p:cNvPr id="1" name=""/>
+        <p:cNvGrpSpPr/>
+        <p:nvPr/>
+      </p:nvGrpSpPr>
+      <p:grpSpPr>
+        <a:xfrm>
+          <a:off x="0" y="0"/>
+          <a:ext cx="0" cy="0"/>
+          <a:chOff x="0" y="0"/>
+          <a:chExt cx="0" cy="0"/>
+        </a:xfrm>
+      </p:grpSpPr>
+      <p:pic>
+        <p:nvPicPr>
+          <p:cNvPr id="4" name="Picture 3">
+            <a:extLst>
+              <a:ext uri="{FF2B5EF4-FFF2-40B4-BE49-F238E27FC236}">
+                <a16:creationId xmlns:a16="http://schemas.microsoft.com/office/drawing/2014/main" id="{DC8D7C6F-BC79-4E52-85A3-2BE28792151A}"/>
+              </a:ext>
+            </a:extLst>
+          </p:cNvPr>
+          <p:cNvPicPr>
+            <a:picLocks noChangeAspect="1"/>
+          </p:cNvPicPr>
+          <p:nvPr/>
+        </p:nvPicPr>
+        <p:blipFill>
+          <a:blip r:embed="rId2">
+            <a:extLst>
+              <a:ext uri="{28A0092B-C50C-407E-A947-70E740481C1C}">
+                <a14:useLocalDpi xmlns:a14="http://schemas.microsoft.com/office/drawing/2010/main" val="0"/>
+              </a:ext>
+            </a:extLst>
+          </a:blip>
+          <a:stretch>
+            <a:fillRect/>
+          </a:stretch>
+        </p:blipFill>
+        <p:spPr>
+          <a:xfrm>
+            <a:off x="0" y="0"/>
+            <a:ext cx="12192000" cy="6858000"/>
+          </a:xfrm>
+          <a:prstGeom prst="rect">
+            <a:avLst/>
+          </a:prstGeom>
+        </p:spPr>
+      </p:pic>
+      <p:sp>
+        <p:nvSpPr>
+          <p:cNvPr id="2" name="Title 1">
+            <a:extLst>
+              <a:ext uri="{FF2B5EF4-FFF2-40B4-BE49-F238E27FC236}">
+                <a16:creationId xmlns:a16="http://schemas.microsoft.com/office/drawing/2014/main" id="{BA2E89BE-D378-4363-B756-57F5D7D6F5FF}"/>
+              </a:ext>
+            </a:extLst>
+          </p:cNvPr>
+          <p:cNvSpPr>
+            <a:spLocks noGrp="1"/>
+          </p:cNvSpPr>
+          <p:nvPr>
+            <p:ph type="title"/>
+          </p:nvPr>
+        </p:nvSpPr>
+        <p:spPr/>
+        <p:txBody>
+          <a:bodyPr>
+            <a:normAutofit/>
+          </a:bodyPr>
+          <a:lstStyle/>
+          <a:p>
+            <a:r>
+              <a:rPr lang="en-US" sz="3200" b="1" dirty="0">
+                <a:solidFill>
+                  <a:schemeClr val="bg1"/>
+                </a:solidFill>
+                <a:latin typeface="Arial" panose="020B0604020202020204" pitchFamily="34" charset="0"/>
+                <a:cs typeface="Arial" panose="020B0604020202020204" pitchFamily="34" charset="0"/>
+              </a:rPr>
+              <a:t>Lazy Loading</a:t>
+            </a:r>
+            <a:endParaRPr lang="ru-MD" sz="3200" dirty="0">
+              <a:solidFill>
+                <a:schemeClr val="bg1"/>
+              </a:solidFill>
+              <a:latin typeface="Arial" panose="020B0604020202020204" pitchFamily="34" charset="0"/>
+              <a:cs typeface="Arial" panose="020B0604020202020204" pitchFamily="34" charset="0"/>
+            </a:endParaRPr>
+          </a:p>
+        </p:txBody>
+      </p:sp>
+      <p:sp>
+        <p:nvSpPr>
+          <p:cNvPr id="3" name="Content Placeholder 2">
+            <a:extLst>
+              <a:ext uri="{FF2B5EF4-FFF2-40B4-BE49-F238E27FC236}">
+                <a16:creationId xmlns:a16="http://schemas.microsoft.com/office/drawing/2014/main" id="{BF9E7159-D2DD-4D17-83EF-3090BDDA7396}"/>
+              </a:ext>
+            </a:extLst>
+          </p:cNvPr>
+          <p:cNvSpPr>
+            <a:spLocks noGrp="1"/>
+          </p:cNvSpPr>
+          <p:nvPr>
+            <p:ph idx="1"/>
+          </p:nvPr>
+        </p:nvSpPr>
+        <p:spPr/>
+        <p:txBody>
+          <a:bodyPr>
+            <a:normAutofit/>
+          </a:bodyPr>
+          <a:lstStyle/>
+          <a:p>
+            <a:endParaRPr lang="ru-MD" sz="2000" dirty="0"/>
+          </a:p>
+        </p:txBody>
+      </p:sp>
+    </p:spTree>
+    <p:extLst>
+      <p:ext uri="{BB962C8B-B14F-4D97-AF65-F5344CB8AC3E}">
+        <p14:creationId xmlns:p14="http://schemas.microsoft.com/office/powerpoint/2010/main" val="1248733137"/>
+      </p:ext>
+    </p:extLst>
+  </p:cSld>
+  <p:clrMapOvr>
+    <a:masterClrMapping/>
+  </p:clrMapOvr>
+</p:sld>
+</file>
+
+<file path=ppt/slides/slide11.xml><?xml version="1.0" encoding="utf-8"?>
+<p:sld xmlns:a="http://schemas.openxmlformats.org/drawingml/2006/main" xmlns:r="http://schemas.openxmlformats.org/officeDocument/2006/relationships" xmlns:p="http://schemas.openxmlformats.org/presentationml/2006/main">
+  <p:cSld>
+    <p:spTree>
+      <p:nvGrpSpPr>
+        <p:cNvPr id="1" name=""/>
+        <p:cNvGrpSpPr/>
+        <p:nvPr/>
+      </p:nvGrpSpPr>
+      <p:grpSpPr>
+        <a:xfrm>
+          <a:off x="0" y="0"/>
+          <a:ext cx="0" cy="0"/>
+          <a:chOff x="0" y="0"/>
+          <a:chExt cx="0" cy="0"/>
+        </a:xfrm>
+      </p:grpSpPr>
+      <p:pic>
+        <p:nvPicPr>
+          <p:cNvPr id="4" name="Picture 3">
+            <a:extLst>
+              <a:ext uri="{FF2B5EF4-FFF2-40B4-BE49-F238E27FC236}">
+                <a16:creationId xmlns:a16="http://schemas.microsoft.com/office/drawing/2014/main" id="{2015B4BB-3CEA-4829-8B06-72A72883252E}"/>
+              </a:ext>
+            </a:extLst>
+          </p:cNvPr>
+          <p:cNvPicPr>
+            <a:picLocks noChangeAspect="1"/>
+          </p:cNvPicPr>
+          <p:nvPr/>
+        </p:nvPicPr>
+        <p:blipFill>
+          <a:blip r:embed="rId2">
+            <a:extLst>
+              <a:ext uri="{28A0092B-C50C-407E-A947-70E740481C1C}">
+                <a14:useLocalDpi xmlns:a14="http://schemas.microsoft.com/office/drawing/2010/main" val="0"/>
+              </a:ext>
+            </a:extLst>
+          </a:blip>
+          <a:stretch>
+            <a:fillRect/>
+          </a:stretch>
+        </p:blipFill>
+        <p:spPr>
+          <a:xfrm>
+            <a:off x="0" y="0"/>
+            <a:ext cx="12192000" cy="6858000"/>
+          </a:xfrm>
+          <a:prstGeom prst="rect">
+            <a:avLst/>
+          </a:prstGeom>
+        </p:spPr>
+      </p:pic>
+      <p:sp>
+        <p:nvSpPr>
+          <p:cNvPr id="2" name="Title 1">
+            <a:extLst>
+              <a:ext uri="{FF2B5EF4-FFF2-40B4-BE49-F238E27FC236}">
+                <a16:creationId xmlns:a16="http://schemas.microsoft.com/office/drawing/2014/main" id="{12D1BD90-E53B-43E4-A657-542C6CAF017B}"/>
+              </a:ext>
+            </a:extLst>
+          </p:cNvPr>
+          <p:cNvSpPr>
+            <a:spLocks noGrp="1"/>
+          </p:cNvSpPr>
+          <p:nvPr>
+            <p:ph type="title"/>
+          </p:nvPr>
+        </p:nvSpPr>
+        <p:spPr/>
+        <p:txBody>
+          <a:bodyPr>
+            <a:normAutofit/>
+          </a:bodyPr>
+          <a:lstStyle/>
+          <a:p>
+            <a:r>
+              <a:rPr lang="en-US" sz="3200" b="1" i="0" dirty="0">
+                <a:solidFill>
+                  <a:schemeClr val="bg1"/>
+                </a:solidFill>
+                <a:effectLst/>
+                <a:latin typeface="Arial" panose="020B0604020202020204" pitchFamily="34" charset="0"/>
+                <a:cs typeface="Arial" panose="020B0604020202020204" pitchFamily="34" charset="0"/>
+              </a:rPr>
+              <a:t>Server-Side Rendering</a:t>
+            </a:r>
+            <a:r>
+              <a:rPr lang="ru-RU" sz="3200" b="1" dirty="0">
+                <a:solidFill>
+                  <a:schemeClr val="bg1"/>
+                </a:solidFill>
+                <a:latin typeface="Arial" panose="020B0604020202020204" pitchFamily="34" charset="0"/>
+                <a:cs typeface="Arial" panose="020B0604020202020204" pitchFamily="34" charset="0"/>
+              </a:rPr>
+              <a:t> </a:t>
+            </a:r>
+            <a:r>
+              <a:rPr lang="en-US" sz="3200" b="1" dirty="0">
+                <a:solidFill>
+                  <a:schemeClr val="bg1"/>
+                </a:solidFill>
+                <a:latin typeface="Arial" panose="020B0604020202020204" pitchFamily="34" charset="0"/>
+                <a:cs typeface="Arial" panose="020B0604020202020204" pitchFamily="34" charset="0"/>
+              </a:rPr>
+              <a:t>(SSR)</a:t>
+            </a:r>
+            <a:endParaRPr lang="ru-MD" sz="3200" b="1" dirty="0">
+              <a:solidFill>
+                <a:schemeClr val="bg1"/>
+              </a:solidFill>
+              <a:latin typeface="Arial" panose="020B0604020202020204" pitchFamily="34" charset="0"/>
+              <a:cs typeface="Arial" panose="020B0604020202020204" pitchFamily="34" charset="0"/>
+            </a:endParaRPr>
+          </a:p>
+        </p:txBody>
+      </p:sp>
+      <p:sp>
+        <p:nvSpPr>
+          <p:cNvPr id="3" name="Content Placeholder 2">
+            <a:extLst>
+              <a:ext uri="{FF2B5EF4-FFF2-40B4-BE49-F238E27FC236}">
+                <a16:creationId xmlns:a16="http://schemas.microsoft.com/office/drawing/2014/main" id="{CADB8CFE-73A1-4BFB-BC66-626E4FC4A147}"/>
+              </a:ext>
+            </a:extLst>
+          </p:cNvPr>
+          <p:cNvSpPr>
+            <a:spLocks noGrp="1"/>
+          </p:cNvSpPr>
+          <p:nvPr>
+            <p:ph idx="1"/>
+          </p:nvPr>
+        </p:nvSpPr>
+        <p:spPr/>
+        <p:txBody>
+          <a:bodyPr>
+            <a:normAutofit/>
+          </a:bodyPr>
+          <a:lstStyle/>
+          <a:p>
+            <a:endParaRPr lang="ru-MD" sz="2000" dirty="0"/>
+          </a:p>
+        </p:txBody>
+      </p:sp>
+    </p:spTree>
+    <p:extLst>
+      <p:ext uri="{BB962C8B-B14F-4D97-AF65-F5344CB8AC3E}">
+        <p14:creationId xmlns:p14="http://schemas.microsoft.com/office/powerpoint/2010/main" val="3931785566"/>
+      </p:ext>
+    </p:extLst>
+  </p:cSld>
+  <p:clrMapOvr>
+    <a:masterClrMapping/>
+  </p:clrMapOvr>
+</p:sld>
+</file>
+
+<file path=ppt/slides/slide12.xml><?xml version="1.0" encoding="utf-8"?>
+<p:sld xmlns:a="http://schemas.openxmlformats.org/drawingml/2006/main" xmlns:r="http://schemas.openxmlformats.org/officeDocument/2006/relationships" xmlns:p="http://schemas.openxmlformats.org/presentationml/2006/main">
+  <p:cSld>
+    <p:spTree>
+      <p:nvGrpSpPr>
+        <p:cNvPr id="1" name=""/>
+        <p:cNvGrpSpPr/>
+        <p:nvPr/>
+      </p:nvGrpSpPr>
+      <p:grpSpPr>
+        <a:xfrm>
+          <a:off x="0" y="0"/>
+          <a:ext cx="0" cy="0"/>
+          <a:chOff x="0" y="0"/>
+          <a:chExt cx="0" cy="0"/>
+        </a:xfrm>
+      </p:grpSpPr>
+      <p:pic>
+        <p:nvPicPr>
+          <p:cNvPr id="4" name="Picture 3">
+            <a:extLst>
+              <a:ext uri="{FF2B5EF4-FFF2-40B4-BE49-F238E27FC236}">
+                <a16:creationId xmlns:a16="http://schemas.microsoft.com/office/drawing/2014/main" id="{16347530-9DF8-4117-AE04-E1E6DB2BCE4F}"/>
+              </a:ext>
+            </a:extLst>
+          </p:cNvPr>
+          <p:cNvPicPr>
+            <a:picLocks noChangeAspect="1"/>
+          </p:cNvPicPr>
+          <p:nvPr/>
+        </p:nvPicPr>
+        <p:blipFill>
+          <a:blip r:embed="rId2">
+            <a:extLst>
+              <a:ext uri="{28A0092B-C50C-407E-A947-70E740481C1C}">
+                <a14:useLocalDpi xmlns:a14="http://schemas.microsoft.com/office/drawing/2010/main" val="0"/>
+              </a:ext>
+            </a:extLst>
+          </a:blip>
+          <a:stretch>
+            <a:fillRect/>
+          </a:stretch>
+        </p:blipFill>
+        <p:spPr>
+          <a:xfrm>
+            <a:off x="0" y="0"/>
+            <a:ext cx="12192000" cy="6858000"/>
+          </a:xfrm>
+          <a:prstGeom prst="rect">
+            <a:avLst/>
+          </a:prstGeom>
+        </p:spPr>
+      </p:pic>
+      <p:sp>
+        <p:nvSpPr>
+          <p:cNvPr id="2" name="Title 1">
+            <a:extLst>
+              <a:ext uri="{FF2B5EF4-FFF2-40B4-BE49-F238E27FC236}">
+                <a16:creationId xmlns:a16="http://schemas.microsoft.com/office/drawing/2014/main" id="{E4C9EBBC-0250-4D45-8417-11F1A5660380}"/>
+              </a:ext>
+            </a:extLst>
+          </p:cNvPr>
+          <p:cNvSpPr>
+            <a:spLocks noGrp="1"/>
+          </p:cNvSpPr>
+          <p:nvPr>
+            <p:ph type="title"/>
+          </p:nvPr>
+        </p:nvSpPr>
+        <p:spPr/>
+        <p:txBody>
+          <a:bodyPr>
+            <a:normAutofit/>
+          </a:bodyPr>
+          <a:lstStyle/>
+          <a:p>
+            <a:r>
+              <a:rPr lang="en-US" sz="3200" b="1" i="0" dirty="0">
+                <a:solidFill>
+                  <a:schemeClr val="bg1"/>
+                </a:solidFill>
+                <a:effectLst/>
+                <a:latin typeface="Arial" panose="020B0604020202020204" pitchFamily="34" charset="0"/>
+                <a:cs typeface="Arial" panose="020B0604020202020204" pitchFamily="34" charset="0"/>
+              </a:rPr>
+              <a:t>Server-Side Rendering</a:t>
+            </a:r>
+            <a:r>
+              <a:rPr lang="ru-RU" sz="3200" b="1" dirty="0">
+                <a:solidFill>
+                  <a:schemeClr val="bg1"/>
+                </a:solidFill>
+                <a:latin typeface="Arial" panose="020B0604020202020204" pitchFamily="34" charset="0"/>
+                <a:cs typeface="Arial" panose="020B0604020202020204" pitchFamily="34" charset="0"/>
+              </a:rPr>
+              <a:t> </a:t>
+            </a:r>
+            <a:r>
+              <a:rPr lang="en-US" sz="3200" b="1" dirty="0">
+                <a:solidFill>
+                  <a:schemeClr val="bg1"/>
+                </a:solidFill>
+                <a:latin typeface="Arial" panose="020B0604020202020204" pitchFamily="34" charset="0"/>
+                <a:cs typeface="Arial" panose="020B0604020202020204" pitchFamily="34" charset="0"/>
+              </a:rPr>
+              <a:t>(SSR)</a:t>
+            </a:r>
+            <a:endParaRPr lang="ru-MD" sz="3200" dirty="0">
+              <a:solidFill>
+                <a:schemeClr val="bg1"/>
+              </a:solidFill>
+              <a:latin typeface="Arial" panose="020B0604020202020204" pitchFamily="34" charset="0"/>
+              <a:cs typeface="Arial" panose="020B0604020202020204" pitchFamily="34" charset="0"/>
+            </a:endParaRPr>
+          </a:p>
+        </p:txBody>
+      </p:sp>
+      <p:sp>
+        <p:nvSpPr>
+          <p:cNvPr id="3" name="Content Placeholder 2">
+            <a:extLst>
+              <a:ext uri="{FF2B5EF4-FFF2-40B4-BE49-F238E27FC236}">
+                <a16:creationId xmlns:a16="http://schemas.microsoft.com/office/drawing/2014/main" id="{EABF275B-0E60-41D3-9135-9AA58A281948}"/>
+              </a:ext>
+            </a:extLst>
+          </p:cNvPr>
+          <p:cNvSpPr>
+            <a:spLocks noGrp="1"/>
+          </p:cNvSpPr>
+          <p:nvPr>
+            <p:ph idx="1"/>
+          </p:nvPr>
+        </p:nvSpPr>
+        <p:spPr/>
+        <p:txBody>
+          <a:bodyPr>
+            <a:normAutofit/>
+          </a:bodyPr>
+          <a:lstStyle/>
+          <a:p>
+            <a:endParaRPr lang="ru-MD" sz="2000" dirty="0"/>
+          </a:p>
+        </p:txBody>
+      </p:sp>
+    </p:spTree>
+    <p:extLst>
+      <p:ext uri="{BB962C8B-B14F-4D97-AF65-F5344CB8AC3E}">
+        <p14:creationId xmlns:p14="http://schemas.microsoft.com/office/powerpoint/2010/main" val="4083607755"/>
+      </p:ext>
+    </p:extLst>
+  </p:cSld>
+  <p:clrMapOvr>
+    <a:masterClrMapping/>
+  </p:clrMapOvr>
+</p:sld>
+</file>
+
+<file path=ppt/slides/slide13.xml><?xml version="1.0" encoding="utf-8"?>
+<p:sld xmlns:a="http://schemas.openxmlformats.org/drawingml/2006/main" xmlns:r="http://schemas.openxmlformats.org/officeDocument/2006/relationships" xmlns:p="http://schemas.openxmlformats.org/presentationml/2006/main">
+  <p:cSld>
+    <p:spTree>
+      <p:nvGrpSpPr>
+        <p:cNvPr id="1" name=""/>
+        <p:cNvGrpSpPr/>
+        <p:nvPr/>
+      </p:nvGrpSpPr>
+      <p:grpSpPr>
+        <a:xfrm>
+          <a:off x="0" y="0"/>
+          <a:ext cx="0" cy="0"/>
+          <a:chOff x="0" y="0"/>
+          <a:chExt cx="0" cy="0"/>
+        </a:xfrm>
+      </p:grpSpPr>
+      <p:pic>
+        <p:nvPicPr>
+          <p:cNvPr id="4" name="Picture 3">
+            <a:extLst>
+              <a:ext uri="{FF2B5EF4-FFF2-40B4-BE49-F238E27FC236}">
+                <a16:creationId xmlns:a16="http://schemas.microsoft.com/office/drawing/2014/main" id="{63D1D884-0F56-46A5-95ED-DF55BB18CB2B}"/>
+              </a:ext>
+            </a:extLst>
+          </p:cNvPr>
+          <p:cNvPicPr>
+            <a:picLocks noChangeAspect="1"/>
+          </p:cNvPicPr>
+          <p:nvPr/>
+        </p:nvPicPr>
+        <p:blipFill>
+          <a:blip r:embed="rId2">
+            <a:extLst>
+              <a:ext uri="{28A0092B-C50C-407E-A947-70E740481C1C}">
+                <a14:useLocalDpi xmlns:a14="http://schemas.microsoft.com/office/drawing/2010/main" val="0"/>
+              </a:ext>
+            </a:extLst>
+          </a:blip>
+          <a:stretch>
+            <a:fillRect/>
+          </a:stretch>
+        </p:blipFill>
+        <p:spPr>
+          <a:xfrm>
+            <a:off x="0" y="0"/>
+            <a:ext cx="12192000" cy="6858000"/>
+          </a:xfrm>
+          <a:prstGeom prst="rect">
+            <a:avLst/>
+          </a:prstGeom>
+        </p:spPr>
+      </p:pic>
+      <p:sp>
+        <p:nvSpPr>
+          <p:cNvPr id="2" name="Title 1">
+            <a:extLst>
+              <a:ext uri="{FF2B5EF4-FFF2-40B4-BE49-F238E27FC236}">
+                <a16:creationId xmlns:a16="http://schemas.microsoft.com/office/drawing/2014/main" id="{13474542-5B18-4A1E-AECC-0419CD8A854B}"/>
+              </a:ext>
+            </a:extLst>
+          </p:cNvPr>
+          <p:cNvSpPr>
+            <a:spLocks noGrp="1"/>
+          </p:cNvSpPr>
+          <p:nvPr>
+            <p:ph type="title"/>
+          </p:nvPr>
+        </p:nvSpPr>
+        <p:spPr/>
+        <p:txBody>
+          <a:bodyPr>
+            <a:normAutofit/>
+          </a:bodyPr>
+          <a:lstStyle/>
+          <a:p>
+            <a:r>
+              <a:rPr lang="en-US" sz="3200" b="1" dirty="0">
+                <a:solidFill>
+                  <a:schemeClr val="bg1"/>
+                </a:solidFill>
+                <a:latin typeface="Arial" panose="020B0604020202020204" pitchFamily="34" charset="0"/>
+                <a:cs typeface="Arial" panose="020B0604020202020204" pitchFamily="34" charset="0"/>
+              </a:rPr>
+              <a:t>Angular</a:t>
+            </a:r>
+            <a:endParaRPr lang="ru-MD" sz="3200" b="1" dirty="0">
+              <a:solidFill>
+                <a:schemeClr val="bg1"/>
+              </a:solidFill>
+              <a:latin typeface="Arial" panose="020B0604020202020204" pitchFamily="34" charset="0"/>
+              <a:cs typeface="Arial" panose="020B0604020202020204" pitchFamily="34" charset="0"/>
+            </a:endParaRPr>
+          </a:p>
+        </p:txBody>
+      </p:sp>
+      <p:sp>
+        <p:nvSpPr>
+          <p:cNvPr id="3" name="Content Placeholder 2">
+            <a:extLst>
+              <a:ext uri="{FF2B5EF4-FFF2-40B4-BE49-F238E27FC236}">
+                <a16:creationId xmlns:a16="http://schemas.microsoft.com/office/drawing/2014/main" id="{CF352072-2199-4A88-9C44-95D1E26BD2D1}"/>
+              </a:ext>
+            </a:extLst>
+          </p:cNvPr>
+          <p:cNvSpPr>
+            <a:spLocks noGrp="1"/>
+          </p:cNvSpPr>
+          <p:nvPr>
+            <p:ph idx="1"/>
+          </p:nvPr>
+        </p:nvSpPr>
+        <p:spPr/>
+        <p:txBody>
+          <a:bodyPr>
+            <a:normAutofit/>
+          </a:bodyPr>
+          <a:lstStyle/>
+          <a:p>
+            <a:endParaRPr lang="ru-MD" sz="2000" dirty="0"/>
+          </a:p>
+        </p:txBody>
+      </p:sp>
+    </p:spTree>
+    <p:extLst>
+      <p:ext uri="{BB962C8B-B14F-4D97-AF65-F5344CB8AC3E}">
+        <p14:creationId xmlns:p14="http://schemas.microsoft.com/office/powerpoint/2010/main" val="2442302229"/>
+      </p:ext>
+    </p:extLst>
+  </p:cSld>
+  <p:clrMapOvr>
+    <a:masterClrMapping/>
+  </p:clrMapOvr>
+</p:sld>
+</file>
+
+<file path=ppt/slides/slide14.xml><?xml version="1.0" encoding="utf-8"?>
+<p:sld xmlns:a="http://schemas.openxmlformats.org/drawingml/2006/main" xmlns:r="http://schemas.openxmlformats.org/officeDocument/2006/relationships" xmlns:p="http://schemas.openxmlformats.org/presentationml/2006/main">
+  <p:cSld>
+    <p:spTree>
+      <p:nvGrpSpPr>
+        <p:cNvPr id="1" name=""/>
+        <p:cNvGrpSpPr/>
+        <p:nvPr/>
+      </p:nvGrpSpPr>
+      <p:grpSpPr>
+        <a:xfrm>
+          <a:off x="0" y="0"/>
+          <a:ext cx="0" cy="0"/>
+          <a:chOff x="0" y="0"/>
+          <a:chExt cx="0" cy="0"/>
+        </a:xfrm>
+      </p:grpSpPr>
+      <p:pic>
+        <p:nvPicPr>
+          <p:cNvPr id="4" name="Picture 3">
+            <a:extLst>
+              <a:ext uri="{FF2B5EF4-FFF2-40B4-BE49-F238E27FC236}">
+                <a16:creationId xmlns:a16="http://schemas.microsoft.com/office/drawing/2014/main" id="{6E8A6D12-B39A-4FBF-9701-A38445D471AE}"/>
+              </a:ext>
+            </a:extLst>
+          </p:cNvPr>
+          <p:cNvPicPr>
+            <a:picLocks noChangeAspect="1"/>
+          </p:cNvPicPr>
+          <p:nvPr/>
+        </p:nvPicPr>
+        <p:blipFill>
+          <a:blip r:embed="rId2">
+            <a:extLst>
+              <a:ext uri="{28A0092B-C50C-407E-A947-70E740481C1C}">
+                <a14:useLocalDpi xmlns:a14="http://schemas.microsoft.com/office/drawing/2010/main" val="0"/>
+              </a:ext>
+            </a:extLst>
+          </a:blip>
+          <a:stretch>
+            <a:fillRect/>
+          </a:stretch>
+        </p:blipFill>
+        <p:spPr>
+          <a:xfrm>
+            <a:off x="0" y="0"/>
+            <a:ext cx="12192000" cy="6858000"/>
+          </a:xfrm>
+          <a:prstGeom prst="rect">
+            <a:avLst/>
+          </a:prstGeom>
+        </p:spPr>
+      </p:pic>
+      <p:sp>
+        <p:nvSpPr>
+          <p:cNvPr id="2" name="Title 1">
+            <a:extLst>
+              <a:ext uri="{FF2B5EF4-FFF2-40B4-BE49-F238E27FC236}">
+                <a16:creationId xmlns:a16="http://schemas.microsoft.com/office/drawing/2014/main" id="{0EC31BA8-7297-4214-8449-6C0DA7478A11}"/>
+              </a:ext>
+            </a:extLst>
+          </p:cNvPr>
+          <p:cNvSpPr>
+            <a:spLocks noGrp="1"/>
+          </p:cNvSpPr>
+          <p:nvPr>
+            <p:ph type="title"/>
+          </p:nvPr>
+        </p:nvSpPr>
+        <p:spPr/>
+        <p:txBody>
+          <a:bodyPr>
+            <a:normAutofit/>
+          </a:bodyPr>
+          <a:lstStyle/>
+          <a:p>
+            <a:r>
+              <a:rPr lang="en-US" sz="3200" b="1" dirty="0">
+                <a:solidFill>
+                  <a:schemeClr val="bg1"/>
+                </a:solidFill>
+                <a:latin typeface="Arial" panose="020B0604020202020204" pitchFamily="34" charset="0"/>
+                <a:cs typeface="Arial" panose="020B0604020202020204" pitchFamily="34" charset="0"/>
+              </a:rPr>
+              <a:t>Angular Elements</a:t>
+            </a:r>
+            <a:endParaRPr lang="ru-MD" sz="3200" b="1" dirty="0">
+              <a:solidFill>
+                <a:schemeClr val="bg1"/>
+              </a:solidFill>
+              <a:latin typeface="Arial" panose="020B0604020202020204" pitchFamily="34" charset="0"/>
+              <a:cs typeface="Arial" panose="020B0604020202020204" pitchFamily="34" charset="0"/>
+            </a:endParaRPr>
+          </a:p>
+        </p:txBody>
+      </p:sp>
+      <p:sp>
+        <p:nvSpPr>
+          <p:cNvPr id="3" name="Content Placeholder 2">
+            <a:extLst>
+              <a:ext uri="{FF2B5EF4-FFF2-40B4-BE49-F238E27FC236}">
+                <a16:creationId xmlns:a16="http://schemas.microsoft.com/office/drawing/2014/main" id="{01B69E4A-C044-4D35-A150-55341F288CDB}"/>
+              </a:ext>
+            </a:extLst>
+          </p:cNvPr>
+          <p:cNvSpPr>
+            <a:spLocks noGrp="1"/>
+          </p:cNvSpPr>
+          <p:nvPr>
+            <p:ph idx="1"/>
+          </p:nvPr>
+        </p:nvSpPr>
+        <p:spPr/>
+        <p:txBody>
+          <a:bodyPr>
+            <a:normAutofit/>
+          </a:bodyPr>
+          <a:lstStyle/>
+          <a:p>
+            <a:endParaRPr lang="ru-MD" sz="2000" dirty="0"/>
+          </a:p>
+        </p:txBody>
+      </p:sp>
+    </p:spTree>
+    <p:extLst>
+      <p:ext uri="{BB962C8B-B14F-4D97-AF65-F5344CB8AC3E}">
+        <p14:creationId xmlns:p14="http://schemas.microsoft.com/office/powerpoint/2010/main" val="921335038"/>
+      </p:ext>
+    </p:extLst>
+  </p:cSld>
+  <p:clrMapOvr>
+    <a:masterClrMapping/>
+  </p:clrMapOvr>
+</p:sld>
+</file>
+
+<file path=ppt/slides/slide15.xml><?xml version="1.0" encoding="utf-8"?>
+<p:sld xmlns:a="http://schemas.openxmlformats.org/drawingml/2006/main" xmlns:r="http://schemas.openxmlformats.org/officeDocument/2006/relationships" xmlns:p="http://schemas.openxmlformats.org/presentationml/2006/main">
+  <p:cSld>
+    <p:spTree>
+      <p:nvGrpSpPr>
+        <p:cNvPr id="1" name=""/>
+        <p:cNvGrpSpPr/>
+        <p:nvPr/>
+      </p:nvGrpSpPr>
+      <p:grpSpPr>
+        <a:xfrm>
+          <a:off x="0" y="0"/>
+          <a:ext cx="0" cy="0"/>
+          <a:chOff x="0" y="0"/>
+          <a:chExt cx="0" cy="0"/>
+        </a:xfrm>
+      </p:grpSpPr>
+      <p:pic>
+        <p:nvPicPr>
+          <p:cNvPr id="4" name="Picture 3">
+            <a:extLst>
+              <a:ext uri="{FF2B5EF4-FFF2-40B4-BE49-F238E27FC236}">
+                <a16:creationId xmlns:a16="http://schemas.microsoft.com/office/drawing/2014/main" id="{2C0E95ED-9B04-49FF-A67A-B96457CF49DC}"/>
+              </a:ext>
+            </a:extLst>
+          </p:cNvPr>
+          <p:cNvPicPr>
+            <a:picLocks noChangeAspect="1"/>
+          </p:cNvPicPr>
+          <p:nvPr/>
+        </p:nvPicPr>
+        <p:blipFill>
+          <a:blip r:embed="rId2">
+            <a:extLst>
+              <a:ext uri="{28A0092B-C50C-407E-A947-70E740481C1C}">
+                <a14:useLocalDpi xmlns:a14="http://schemas.microsoft.com/office/drawing/2010/main" val="0"/>
+              </a:ext>
+            </a:extLst>
+          </a:blip>
+          <a:stretch>
+            <a:fillRect/>
+          </a:stretch>
+        </p:blipFill>
+        <p:spPr>
+          <a:xfrm>
+            <a:off x="0" y="0"/>
+            <a:ext cx="12192000" cy="6858000"/>
+          </a:xfrm>
+          <a:prstGeom prst="rect">
+            <a:avLst/>
+          </a:prstGeom>
+        </p:spPr>
+      </p:pic>
+      <p:sp>
+        <p:nvSpPr>
+          <p:cNvPr id="2" name="Title 1">
+            <a:extLst>
+              <a:ext uri="{FF2B5EF4-FFF2-40B4-BE49-F238E27FC236}">
+                <a16:creationId xmlns:a16="http://schemas.microsoft.com/office/drawing/2014/main" id="{5990BECF-8757-4B40-AE11-3E580C97945B}"/>
+              </a:ext>
+            </a:extLst>
+          </p:cNvPr>
+          <p:cNvSpPr>
+            <a:spLocks noGrp="1"/>
+          </p:cNvSpPr>
+          <p:nvPr>
+            <p:ph type="title"/>
+          </p:nvPr>
+        </p:nvSpPr>
+        <p:spPr/>
+        <p:txBody>
+          <a:bodyPr>
+            <a:normAutofit/>
+          </a:bodyPr>
+          <a:lstStyle/>
+          <a:p>
+            <a:r>
+              <a:rPr lang="en-US" sz="3200" b="1" dirty="0">
+                <a:solidFill>
+                  <a:schemeClr val="bg1"/>
+                </a:solidFill>
+                <a:latin typeface="Arial" panose="020B0604020202020204" pitchFamily="34" charset="0"/>
+                <a:cs typeface="Arial" panose="020B0604020202020204" pitchFamily="34" charset="0"/>
+              </a:rPr>
+              <a:t>Angular Lazy Loading</a:t>
+            </a:r>
+            <a:endParaRPr lang="ru-MD" sz="3200" b="1" dirty="0">
+              <a:solidFill>
+                <a:schemeClr val="bg1"/>
+              </a:solidFill>
+              <a:latin typeface="Arial" panose="020B0604020202020204" pitchFamily="34" charset="0"/>
+              <a:cs typeface="Arial" panose="020B0604020202020204" pitchFamily="34" charset="0"/>
+            </a:endParaRPr>
+          </a:p>
+        </p:txBody>
+      </p:sp>
+      <p:sp>
+        <p:nvSpPr>
+          <p:cNvPr id="3" name="Content Placeholder 2">
+            <a:extLst>
+              <a:ext uri="{FF2B5EF4-FFF2-40B4-BE49-F238E27FC236}">
+                <a16:creationId xmlns:a16="http://schemas.microsoft.com/office/drawing/2014/main" id="{F92EA210-1DAB-4328-8E8E-45B6C270C7BC}"/>
+              </a:ext>
+            </a:extLst>
+          </p:cNvPr>
+          <p:cNvSpPr>
+            <a:spLocks noGrp="1"/>
+          </p:cNvSpPr>
+          <p:nvPr>
+            <p:ph idx="1"/>
+          </p:nvPr>
+        </p:nvSpPr>
+        <p:spPr/>
+        <p:txBody>
+          <a:bodyPr>
+            <a:normAutofit/>
+          </a:bodyPr>
+          <a:lstStyle/>
+          <a:p>
+            <a:endParaRPr lang="ru-MD" sz="2000" dirty="0"/>
+          </a:p>
+        </p:txBody>
+      </p:sp>
+    </p:spTree>
+    <p:extLst>
+      <p:ext uri="{BB962C8B-B14F-4D97-AF65-F5344CB8AC3E}">
+        <p14:creationId xmlns:p14="http://schemas.microsoft.com/office/powerpoint/2010/main" val="1406410720"/>
+      </p:ext>
+    </p:extLst>
+  </p:cSld>
+  <p:clrMapOvr>
+    <a:masterClrMapping/>
+  </p:clrMapOvr>
+</p:sld>
+</file>
+
+<file path=ppt/slides/slide16.xml><?xml version="1.0" encoding="utf-8"?>
+<p:sld xmlns:a="http://schemas.openxmlformats.org/drawingml/2006/main" xmlns:r="http://schemas.openxmlformats.org/officeDocument/2006/relationships" xmlns:p="http://schemas.openxmlformats.org/presentationml/2006/main">
+  <p:cSld>
+    <p:spTree>
+      <p:nvGrpSpPr>
+        <p:cNvPr id="1" name=""/>
+        <p:cNvGrpSpPr/>
+        <p:nvPr/>
+      </p:nvGrpSpPr>
+      <p:grpSpPr>
+        <a:xfrm>
+          <a:off x="0" y="0"/>
+          <a:ext cx="0" cy="0"/>
+          <a:chOff x="0" y="0"/>
+          <a:chExt cx="0" cy="0"/>
+        </a:xfrm>
+      </p:grpSpPr>
+      <p:pic>
+        <p:nvPicPr>
+          <p:cNvPr id="4" name="Picture 3">
+            <a:extLst>
+              <a:ext uri="{FF2B5EF4-FFF2-40B4-BE49-F238E27FC236}">
+                <a16:creationId xmlns:a16="http://schemas.microsoft.com/office/drawing/2014/main" id="{77D5EFCA-377C-443D-AB2F-0EE54971F5BD}"/>
+              </a:ext>
+            </a:extLst>
+          </p:cNvPr>
+          <p:cNvPicPr>
+            <a:picLocks noChangeAspect="1"/>
+          </p:cNvPicPr>
+          <p:nvPr/>
+        </p:nvPicPr>
+        <p:blipFill>
+          <a:blip r:embed="rId2">
+            <a:extLst>
+              <a:ext uri="{28A0092B-C50C-407E-A947-70E740481C1C}">
+                <a14:useLocalDpi xmlns:a14="http://schemas.microsoft.com/office/drawing/2010/main" val="0"/>
+              </a:ext>
+            </a:extLst>
+          </a:blip>
+          <a:stretch>
+            <a:fillRect/>
+          </a:stretch>
+        </p:blipFill>
+        <p:spPr>
+          <a:xfrm>
+            <a:off x="0" y="0"/>
+            <a:ext cx="12192000" cy="6858000"/>
+          </a:xfrm>
+          <a:prstGeom prst="rect">
+            <a:avLst/>
+          </a:prstGeom>
+        </p:spPr>
+      </p:pic>
+      <p:sp>
+        <p:nvSpPr>
+          <p:cNvPr id="2" name="Title 1">
+            <a:extLst>
+              <a:ext uri="{FF2B5EF4-FFF2-40B4-BE49-F238E27FC236}">
+                <a16:creationId xmlns:a16="http://schemas.microsoft.com/office/drawing/2014/main" id="{3C386674-09A9-41A6-B938-3CF62DDFE62C}"/>
+              </a:ext>
+            </a:extLst>
+          </p:cNvPr>
+          <p:cNvSpPr>
+            <a:spLocks noGrp="1"/>
+          </p:cNvSpPr>
+          <p:nvPr>
+            <p:ph type="title"/>
+          </p:nvPr>
+        </p:nvSpPr>
+        <p:spPr/>
+        <p:txBody>
+          <a:bodyPr>
+            <a:normAutofit/>
+          </a:bodyPr>
+          <a:lstStyle/>
+          <a:p>
+            <a:r>
+              <a:rPr lang="en-US" sz="3200" b="1" dirty="0">
+                <a:solidFill>
+                  <a:schemeClr val="bg1"/>
+                </a:solidFill>
+                <a:latin typeface="Arial" panose="020B0604020202020204" pitchFamily="34" charset="0"/>
+                <a:cs typeface="Arial" panose="020B0604020202020204" pitchFamily="34" charset="0"/>
+              </a:rPr>
+              <a:t>Angular Universal</a:t>
+            </a:r>
+            <a:endParaRPr lang="ru-MD" sz="3200" b="1" dirty="0">
+              <a:solidFill>
+                <a:schemeClr val="bg1"/>
+              </a:solidFill>
+              <a:latin typeface="Arial" panose="020B0604020202020204" pitchFamily="34" charset="0"/>
+              <a:cs typeface="Arial" panose="020B0604020202020204" pitchFamily="34" charset="0"/>
+            </a:endParaRPr>
+          </a:p>
+        </p:txBody>
+      </p:sp>
+      <p:sp>
+        <p:nvSpPr>
+          <p:cNvPr id="3" name="Content Placeholder 2">
+            <a:extLst>
+              <a:ext uri="{FF2B5EF4-FFF2-40B4-BE49-F238E27FC236}">
+                <a16:creationId xmlns:a16="http://schemas.microsoft.com/office/drawing/2014/main" id="{B31DF2C1-AF08-4838-A280-D9F0D69D32C3}"/>
+              </a:ext>
+            </a:extLst>
+          </p:cNvPr>
+          <p:cNvSpPr>
+            <a:spLocks noGrp="1"/>
+          </p:cNvSpPr>
+          <p:nvPr>
+            <p:ph idx="1"/>
+          </p:nvPr>
+        </p:nvSpPr>
+        <p:spPr/>
+        <p:txBody>
+          <a:bodyPr>
+            <a:normAutofit/>
+          </a:bodyPr>
+          <a:lstStyle/>
+          <a:p>
+            <a:endParaRPr lang="ru-MD" sz="2000" dirty="0"/>
+          </a:p>
+        </p:txBody>
+      </p:sp>
+    </p:spTree>
+    <p:extLst>
+      <p:ext uri="{BB962C8B-B14F-4D97-AF65-F5344CB8AC3E}">
+        <p14:creationId xmlns:p14="http://schemas.microsoft.com/office/powerpoint/2010/main" val="484973265"/>
+      </p:ext>
+    </p:extLst>
+  </p:cSld>
+  <p:clrMapOvr>
+    <a:masterClrMapping/>
+  </p:clrMapOvr>
+</p:sld>
+</file>
+
+<file path=ppt/slides/slide17.xml><?xml version="1.0" encoding="utf-8"?>
+<p:sld xmlns:a="http://schemas.openxmlformats.org/drawingml/2006/main" xmlns:r="http://schemas.openxmlformats.org/officeDocument/2006/relationships" xmlns:p="http://schemas.openxmlformats.org/presentationml/2006/main">
+  <p:cSld>
+    <p:spTree>
+      <p:nvGrpSpPr>
+        <p:cNvPr id="1" name=""/>
+        <p:cNvGrpSpPr/>
+        <p:nvPr/>
+      </p:nvGrpSpPr>
+      <p:grpSpPr>
+        <a:xfrm>
+          <a:off x="0" y="0"/>
+          <a:ext cx="0" cy="0"/>
+          <a:chOff x="0" y="0"/>
+          <a:chExt cx="0" cy="0"/>
+        </a:xfrm>
+      </p:grpSpPr>
+      <p:sp>
+        <p:nvSpPr>
+          <p:cNvPr id="2" name="Title 1">
+            <a:extLst>
+              <a:ext uri="{FF2B5EF4-FFF2-40B4-BE49-F238E27FC236}">
+                <a16:creationId xmlns:a16="http://schemas.microsoft.com/office/drawing/2014/main" id="{7FF35F2F-D051-4DE6-BBFB-5D745E255CB9}"/>
+              </a:ext>
+            </a:extLst>
+          </p:cNvPr>
+          <p:cNvSpPr>
+            <a:spLocks noGrp="1"/>
+          </p:cNvSpPr>
+          <p:nvPr>
+            <p:ph type="title"/>
+          </p:nvPr>
+        </p:nvSpPr>
+        <p:spPr/>
+        <p:txBody>
+          <a:bodyPr>
+            <a:normAutofit/>
+          </a:bodyPr>
+          <a:lstStyle/>
+          <a:p>
+            <a:r>
+              <a:rPr lang="ru-RU" sz="2000" dirty="0"/>
+              <a:t>Все технологии которые используются в проекте</a:t>
+            </a:r>
+            <a:r>
+              <a:rPr lang="en-US" sz="2000" dirty="0"/>
+              <a:t> </a:t>
+            </a:r>
+            <a:r>
+              <a:rPr lang="ru-RU" sz="2000" dirty="0"/>
+              <a:t>иконки</a:t>
+            </a:r>
+            <a:endParaRPr lang="ru-MD" sz="2000" dirty="0"/>
+          </a:p>
+        </p:txBody>
+      </p:sp>
+    </p:spTree>
+    <p:extLst>
+      <p:ext uri="{BB962C8B-B14F-4D97-AF65-F5344CB8AC3E}">
+        <p14:creationId xmlns:p14="http://schemas.microsoft.com/office/powerpoint/2010/main" val="2476276353"/>
+      </p:ext>
+    </p:extLst>
+  </p:cSld>
+  <p:clrMapOvr>
+    <a:masterClrMapping/>
+  </p:clrMapOvr>
+</p:sld>
+</file>
+
+<file path=ppt/slides/slide18.xml><?xml version="1.0" encoding="utf-8"?>
+<p:sld xmlns:a="http://schemas.openxmlformats.org/drawingml/2006/main" xmlns:r="http://schemas.openxmlformats.org/officeDocument/2006/relationships" xmlns:p="http://schemas.openxmlformats.org/presentationml/2006/main">
+  <p:cSld>
+    <p:spTree>
+      <p:nvGrpSpPr>
+        <p:cNvPr id="1" name=""/>
+        <p:cNvGrpSpPr/>
+        <p:nvPr/>
+      </p:nvGrpSpPr>
+      <p:grpSpPr>
+        <a:xfrm>
+          <a:off x="0" y="0"/>
+          <a:ext cx="0" cy="0"/>
+          <a:chOff x="0" y="0"/>
+          <a:chExt cx="0" cy="0"/>
+        </a:xfrm>
+      </p:grpSpPr>
+      <p:pic>
+        <p:nvPicPr>
+          <p:cNvPr id="4" name="Picture 3">
+            <a:extLst>
+              <a:ext uri="{FF2B5EF4-FFF2-40B4-BE49-F238E27FC236}">
+                <a16:creationId xmlns:a16="http://schemas.microsoft.com/office/drawing/2014/main" id="{19AB1C13-3596-40DE-B35A-6FA1BF957EE9}"/>
+              </a:ext>
+            </a:extLst>
+          </p:cNvPr>
+          <p:cNvPicPr>
+            <a:picLocks noChangeAspect="1"/>
+          </p:cNvPicPr>
+          <p:nvPr/>
+        </p:nvPicPr>
+        <p:blipFill>
+          <a:blip r:embed="rId2">
+            <a:extLst>
+              <a:ext uri="{28A0092B-C50C-407E-A947-70E740481C1C}">
+                <a14:useLocalDpi xmlns:a14="http://schemas.microsoft.com/office/drawing/2010/main" val="0"/>
+              </a:ext>
+            </a:extLst>
+          </a:blip>
+          <a:stretch>
+            <a:fillRect/>
+          </a:stretch>
+        </p:blipFill>
+        <p:spPr>
+          <a:xfrm>
+            <a:off x="0" y="0"/>
+            <a:ext cx="12192000" cy="6858000"/>
+          </a:xfrm>
+          <a:prstGeom prst="rect">
+            <a:avLst/>
+          </a:prstGeom>
+        </p:spPr>
+      </p:pic>
+      <p:sp>
+        <p:nvSpPr>
+          <p:cNvPr id="2" name="Title 1">
+            <a:extLst>
+              <a:ext uri="{FF2B5EF4-FFF2-40B4-BE49-F238E27FC236}">
+                <a16:creationId xmlns:a16="http://schemas.microsoft.com/office/drawing/2014/main" id="{9DE774A4-7D87-473C-91B4-D4C6E5A37739}"/>
+              </a:ext>
+            </a:extLst>
+          </p:cNvPr>
+          <p:cNvSpPr>
+            <a:spLocks noGrp="1"/>
+          </p:cNvSpPr>
+          <p:nvPr>
+            <p:ph type="title"/>
+          </p:nvPr>
+        </p:nvSpPr>
+        <p:spPr/>
+        <p:txBody>
+          <a:bodyPr>
+            <a:normAutofit/>
+          </a:bodyPr>
+          <a:lstStyle/>
+          <a:p>
+            <a:r>
+              <a:rPr lang="ru-RU" sz="3200" b="1" dirty="0">
+                <a:solidFill>
+                  <a:schemeClr val="bg1"/>
+                </a:solidFill>
+                <a:latin typeface="Arial" panose="020B0604020202020204" pitchFamily="34" charset="0"/>
+                <a:cs typeface="Arial" panose="020B0604020202020204" pitchFamily="34" charset="0"/>
+              </a:rPr>
+              <a:t>Вывод:</a:t>
+            </a:r>
+            <a:endParaRPr lang="ru-MD" sz="3200" b="1" dirty="0"/>
+          </a:p>
+        </p:txBody>
+      </p:sp>
+      <p:sp>
+        <p:nvSpPr>
+          <p:cNvPr id="3" name="Content Placeholder 2">
+            <a:extLst>
+              <a:ext uri="{FF2B5EF4-FFF2-40B4-BE49-F238E27FC236}">
+                <a16:creationId xmlns:a16="http://schemas.microsoft.com/office/drawing/2014/main" id="{175ADED6-5516-49E1-AB98-10C66A7BA303}"/>
+              </a:ext>
+            </a:extLst>
+          </p:cNvPr>
+          <p:cNvSpPr>
+            <a:spLocks noGrp="1"/>
+          </p:cNvSpPr>
+          <p:nvPr>
+            <p:ph idx="1"/>
+          </p:nvPr>
+        </p:nvSpPr>
+        <p:spPr/>
+        <p:txBody>
+          <a:bodyPr>
+            <a:normAutofit/>
+          </a:bodyPr>
+          <a:lstStyle/>
+          <a:p>
+            <a:endParaRPr lang="ru-MD" sz="2000" dirty="0"/>
+          </a:p>
+        </p:txBody>
+      </p:sp>
+    </p:spTree>
+    <p:extLst>
+      <p:ext uri="{BB962C8B-B14F-4D97-AF65-F5344CB8AC3E}">
+        <p14:creationId xmlns:p14="http://schemas.microsoft.com/office/powerpoint/2010/main" val="1923389753"/>
+      </p:ext>
+    </p:extLst>
+  </p:cSld>
+  <p:clrMapOvr>
+    <a:masterClrMapping/>
+  </p:clrMapOvr>
+</p:sld>
+</file>
+
+<file path=ppt/slides/slide19.xml><?xml version="1.0" encoding="utf-8"?>
+<p:sld xmlns:a="http://schemas.openxmlformats.org/drawingml/2006/main" xmlns:r="http://schemas.openxmlformats.org/officeDocument/2006/relationships" xmlns:p="http://schemas.openxmlformats.org/presentationml/2006/main">
+  <p:cSld>
+    <p:spTree>
+      <p:nvGrpSpPr>
+        <p:cNvPr id="1" name=""/>
+        <p:cNvGrpSpPr/>
+        <p:nvPr/>
+      </p:nvGrpSpPr>
+      <p:grpSpPr>
+        <a:xfrm>
+          <a:off x="0" y="0"/>
+          <a:ext cx="0" cy="0"/>
+          <a:chOff x="0" y="0"/>
+          <a:chExt cx="0" cy="0"/>
+        </a:xfrm>
+      </p:grpSpPr>
+      <p:pic>
+        <p:nvPicPr>
+          <p:cNvPr id="4" name="Picture 3">
+            <a:extLst>
+              <a:ext uri="{FF2B5EF4-FFF2-40B4-BE49-F238E27FC236}">
+                <a16:creationId xmlns:a16="http://schemas.microsoft.com/office/drawing/2014/main" id="{A9561AD6-0229-4C55-8DA6-420CBE06CBAA}"/>
+              </a:ext>
+            </a:extLst>
+          </p:cNvPr>
+          <p:cNvPicPr>
+            <a:picLocks noChangeAspect="1"/>
+          </p:cNvPicPr>
+          <p:nvPr/>
+        </p:nvPicPr>
+        <p:blipFill>
+          <a:blip r:embed="rId2">
+            <a:extLst>
+              <a:ext uri="{28A0092B-C50C-407E-A947-70E740481C1C}">
+                <a14:useLocalDpi xmlns:a14="http://schemas.microsoft.com/office/drawing/2010/main" val="0"/>
+              </a:ext>
+            </a:extLst>
+          </a:blip>
+          <a:stretch>
+            <a:fillRect/>
+          </a:stretch>
+        </p:blipFill>
+        <p:spPr>
+          <a:xfrm>
+            <a:off x="0" y="0"/>
+            <a:ext cx="12192000" cy="6858000"/>
+          </a:xfrm>
+          <a:prstGeom prst="rect">
+            <a:avLst/>
+          </a:prstGeom>
+        </p:spPr>
+      </p:pic>
+      <p:sp>
+        <p:nvSpPr>
+          <p:cNvPr id="2" name="Title 1">
+            <a:extLst>
+              <a:ext uri="{FF2B5EF4-FFF2-40B4-BE49-F238E27FC236}">
+                <a16:creationId xmlns:a16="http://schemas.microsoft.com/office/drawing/2014/main" id="{E36C0CC6-3B44-4383-B39C-A9ACF0D7B9A7}"/>
+              </a:ext>
+            </a:extLst>
+          </p:cNvPr>
+          <p:cNvSpPr>
+            <a:spLocks noGrp="1"/>
+          </p:cNvSpPr>
+          <p:nvPr>
+            <p:ph type="title"/>
+          </p:nvPr>
+        </p:nvSpPr>
+        <p:spPr/>
+        <p:txBody>
+          <a:bodyPr>
+            <a:normAutofit/>
+          </a:bodyPr>
+          <a:lstStyle/>
+          <a:p>
+            <a:r>
+              <a:rPr lang="ru-RU" sz="3200" b="1" dirty="0">
+                <a:solidFill>
+                  <a:schemeClr val="bg1"/>
+                </a:solidFill>
+                <a:latin typeface="Arial" panose="020B0604020202020204" pitchFamily="34" charset="0"/>
+                <a:cs typeface="Arial" panose="020B0604020202020204" pitchFamily="34" charset="0"/>
+              </a:rPr>
+              <a:t>Вывод:</a:t>
+            </a:r>
+            <a:endParaRPr lang="ru-MD" sz="3200" dirty="0">
+              <a:solidFill>
+                <a:schemeClr val="bg1"/>
+              </a:solidFill>
+              <a:latin typeface="Arial" panose="020B0604020202020204" pitchFamily="34" charset="0"/>
+              <a:cs typeface="Arial" panose="020B0604020202020204" pitchFamily="34" charset="0"/>
+            </a:endParaRPr>
+          </a:p>
+        </p:txBody>
+      </p:sp>
+      <p:sp>
+        <p:nvSpPr>
+          <p:cNvPr id="3" name="Content Placeholder 2">
+            <a:extLst>
+              <a:ext uri="{FF2B5EF4-FFF2-40B4-BE49-F238E27FC236}">
+                <a16:creationId xmlns:a16="http://schemas.microsoft.com/office/drawing/2014/main" id="{50C3653B-CC88-4A0A-9422-DC5FE4D7330E}"/>
+              </a:ext>
+            </a:extLst>
+          </p:cNvPr>
+          <p:cNvSpPr>
+            <a:spLocks noGrp="1"/>
+          </p:cNvSpPr>
+          <p:nvPr>
+            <p:ph idx="1"/>
+          </p:nvPr>
+        </p:nvSpPr>
+        <p:spPr/>
+        <p:txBody>
+          <a:bodyPr>
+            <a:normAutofit/>
+          </a:bodyPr>
+          <a:lstStyle/>
+          <a:p>
+            <a:endParaRPr lang="ru-MD" sz="2000" dirty="0"/>
+          </a:p>
+        </p:txBody>
+      </p:sp>
+    </p:spTree>
+    <p:extLst>
+      <p:ext uri="{BB962C8B-B14F-4D97-AF65-F5344CB8AC3E}">
+        <p14:creationId xmlns:p14="http://schemas.microsoft.com/office/powerpoint/2010/main" val="1644412253"/>
+      </p:ext>
+    </p:extLst>
+  </p:cSld>
+  <p:clrMapOvr>
+    <a:masterClrMapping/>
+  </p:clrMapOvr>
+</p:sld>
+</file>
+
+<file path=ppt/slides/slide2.xml><?xml version="1.0" encoding="utf-8"?>
+<p:sld xmlns:a="http://schemas.openxmlformats.org/drawingml/2006/main" xmlns:r="http://schemas.openxmlformats.org/officeDocument/2006/relationships" xmlns:p="http://schemas.openxmlformats.org/presentationml/2006/main">
+  <p:cSld>
+    <p:spTree>
+      <p:nvGrpSpPr>
+        <p:cNvPr id="1" name=""/>
+        <p:cNvGrpSpPr/>
+        <p:nvPr/>
+      </p:nvGrpSpPr>
+      <p:grpSpPr>
+        <a:xfrm>
+          <a:off x="0" y="0"/>
+          <a:ext cx="0" cy="0"/>
+          <a:chOff x="0" y="0"/>
+          <a:chExt cx="0" cy="0"/>
+        </a:xfrm>
+      </p:grpSpPr>
+      <p:pic>
+        <p:nvPicPr>
+          <p:cNvPr id="4" name="Picture 3">
+            <a:extLst>
+              <a:ext uri="{FF2B5EF4-FFF2-40B4-BE49-F238E27FC236}">
+                <a16:creationId xmlns:a16="http://schemas.microsoft.com/office/drawing/2014/main" id="{887629F7-5108-449B-BF35-DEF234444B29}"/>
+              </a:ext>
+            </a:extLst>
+          </p:cNvPr>
+          <p:cNvPicPr>
+            <a:picLocks noChangeAspect="1"/>
+          </p:cNvPicPr>
+          <p:nvPr/>
+        </p:nvPicPr>
+        <p:blipFill>
+          <a:blip r:embed="rId2">
+            <a:extLst>
+              <a:ext uri="{28A0092B-C50C-407E-A947-70E740481C1C}">
+                <a14:useLocalDpi xmlns:a14="http://schemas.microsoft.com/office/drawing/2010/main" val="0"/>
+              </a:ext>
+            </a:extLst>
+          </a:blip>
+          <a:stretch>
+            <a:fillRect/>
+          </a:stretch>
+        </p:blipFill>
+        <p:spPr>
+          <a:xfrm>
+            <a:off x="0" y="0"/>
+            <a:ext cx="12192000" cy="6858000"/>
+          </a:xfrm>
+          <a:prstGeom prst="rect">
+            <a:avLst/>
+          </a:prstGeom>
+        </p:spPr>
+      </p:pic>
+      <p:sp>
+        <p:nvSpPr>
+          <p:cNvPr id="2" name="Title 1">
+            <a:extLst>
+              <a:ext uri="{FF2B5EF4-FFF2-40B4-BE49-F238E27FC236}">
+                <a16:creationId xmlns:a16="http://schemas.microsoft.com/office/drawing/2014/main" id="{DAB175E5-FDB2-4465-8C3F-0D8152F49379}"/>
+              </a:ext>
+            </a:extLst>
+          </p:cNvPr>
+          <p:cNvSpPr>
+            <a:spLocks noGrp="1"/>
+          </p:cNvSpPr>
+          <p:nvPr>
+            <p:ph type="title"/>
+          </p:nvPr>
+        </p:nvSpPr>
+        <p:spPr/>
+        <p:txBody>
+          <a:bodyPr>
+            <a:normAutofit/>
+          </a:bodyPr>
+          <a:lstStyle/>
+          <a:p>
+            <a:r>
+              <a:rPr lang="ru-RU" sz="3200" b="1" dirty="0">
+                <a:solidFill>
+                  <a:schemeClr val="bg1"/>
+                </a:solidFill>
+                <a:latin typeface="Arial" panose="020B0604020202020204" pitchFamily="34" charset="0"/>
+                <a:cs typeface="Arial" panose="020B0604020202020204" pitchFamily="34" charset="0"/>
+              </a:rPr>
+              <a:t>Содержание:</a:t>
+            </a:r>
+            <a:endParaRPr lang="ru-MD" sz="3200" b="1" dirty="0">
+              <a:solidFill>
+                <a:schemeClr val="bg1"/>
+              </a:solidFill>
+              <a:latin typeface="Arial" panose="020B0604020202020204" pitchFamily="34" charset="0"/>
+              <a:cs typeface="Arial" panose="020B0604020202020204" pitchFamily="34" charset="0"/>
+            </a:endParaRPr>
+          </a:p>
+        </p:txBody>
+      </p:sp>
+      <p:sp>
+        <p:nvSpPr>
+          <p:cNvPr id="3" name="Content Placeholder 2">
+            <a:extLst>
+              <a:ext uri="{FF2B5EF4-FFF2-40B4-BE49-F238E27FC236}">
+                <a16:creationId xmlns:a16="http://schemas.microsoft.com/office/drawing/2014/main" id="{4F0B5614-CEA1-4615-A394-2EAF7B20AFA1}"/>
+              </a:ext>
+            </a:extLst>
+          </p:cNvPr>
+          <p:cNvSpPr>
+            <a:spLocks noGrp="1"/>
+          </p:cNvSpPr>
+          <p:nvPr>
+            <p:ph idx="1"/>
+          </p:nvPr>
+        </p:nvSpPr>
+        <p:spPr/>
+        <p:txBody>
+          <a:bodyPr>
+            <a:normAutofit/>
+          </a:bodyPr>
+          <a:lstStyle/>
+          <a:p>
+            <a:endParaRPr lang="ru-MD" sz="2000" dirty="0"/>
+          </a:p>
+        </p:txBody>
+      </p:sp>
+    </p:spTree>
+    <p:extLst>
+      <p:ext uri="{BB962C8B-B14F-4D97-AF65-F5344CB8AC3E}">
+        <p14:creationId xmlns:p14="http://schemas.microsoft.com/office/powerpoint/2010/main" val="3909263242"/>
+      </p:ext>
+    </p:extLst>
+  </p:cSld>
+  <p:clrMapOvr>
+    <a:masterClrMapping/>
+  </p:clrMapOvr>
+</p:sld>
+</file>
+
+<file path=ppt/slides/slide3.xml><?xml version="1.0" encoding="utf-8"?>
+<p:sld xmlns:a="http://schemas.openxmlformats.org/drawingml/2006/main" xmlns:r="http://schemas.openxmlformats.org/officeDocument/2006/relationships" xmlns:p="http://schemas.openxmlformats.org/presentationml/2006/main">
+  <p:cSld>
+    <p:spTree>
+      <p:nvGrpSpPr>
+        <p:cNvPr id="1" name=""/>
+        <p:cNvGrpSpPr/>
+        <p:nvPr/>
+      </p:nvGrpSpPr>
+      <p:grpSpPr>
+        <a:xfrm>
+          <a:off x="0" y="0"/>
+          <a:ext cx="0" cy="0"/>
+          <a:chOff x="0" y="0"/>
+          <a:chExt cx="0" cy="0"/>
+        </a:xfrm>
+      </p:grpSpPr>
+      <p:pic>
+        <p:nvPicPr>
+          <p:cNvPr id="4" name="Picture 3">
+            <a:extLst>
+              <a:ext uri="{FF2B5EF4-FFF2-40B4-BE49-F238E27FC236}">
+                <a16:creationId xmlns:a16="http://schemas.microsoft.com/office/drawing/2014/main" id="{5BE8D235-B701-46BC-9DA7-BE1D04E64182}"/>
+              </a:ext>
+            </a:extLst>
+          </p:cNvPr>
+          <p:cNvPicPr>
+            <a:picLocks noChangeAspect="1"/>
+          </p:cNvPicPr>
+          <p:nvPr/>
+        </p:nvPicPr>
+        <p:blipFill>
+          <a:blip r:embed="rId2">
+            <a:extLst>
+              <a:ext uri="{28A0092B-C50C-407E-A947-70E740481C1C}">
+                <a14:useLocalDpi xmlns:a14="http://schemas.microsoft.com/office/drawing/2010/main" val="0"/>
+              </a:ext>
+            </a:extLst>
+          </a:blip>
+          <a:stretch>
+            <a:fillRect/>
+          </a:stretch>
+        </p:blipFill>
+        <p:spPr>
+          <a:xfrm>
+            <a:off x="0" y="0"/>
+            <a:ext cx="12192000" cy="6858000"/>
+          </a:xfrm>
+          <a:prstGeom prst="rect">
+            <a:avLst/>
+          </a:prstGeom>
+        </p:spPr>
+      </p:pic>
+      <p:sp>
+        <p:nvSpPr>
+          <p:cNvPr id="2" name="Title 1">
+            <a:extLst>
+              <a:ext uri="{FF2B5EF4-FFF2-40B4-BE49-F238E27FC236}">
+                <a16:creationId xmlns:a16="http://schemas.microsoft.com/office/drawing/2014/main" id="{C8BE6644-8196-4F14-ACBD-8610F6C228D8}"/>
+              </a:ext>
+            </a:extLst>
+          </p:cNvPr>
+          <p:cNvSpPr>
+            <a:spLocks noGrp="1"/>
+          </p:cNvSpPr>
+          <p:nvPr>
+            <p:ph type="title"/>
+          </p:nvPr>
+        </p:nvSpPr>
+        <p:spPr/>
+        <p:txBody>
+          <a:bodyPr>
+            <a:normAutofit/>
+          </a:bodyPr>
+          <a:lstStyle/>
+          <a:p>
+            <a:r>
+              <a:rPr lang="ru-MD" sz="3200" b="1" dirty="0">
+                <a:solidFill>
+                  <a:schemeClr val="bg1"/>
+                </a:solidFill>
+                <a:latin typeface="Arial" panose="020B0604020202020204" pitchFamily="34" charset="0"/>
+                <a:cs typeface="Arial" panose="020B0604020202020204" pitchFamily="34" charset="0"/>
+              </a:rPr>
+              <a:t>3 проблемы больших проектов</a:t>
+            </a:r>
+          </a:p>
+        </p:txBody>
+      </p:sp>
+      <p:sp>
+        <p:nvSpPr>
+          <p:cNvPr id="3" name="Content Placeholder 2">
+            <a:extLst>
+              <a:ext uri="{FF2B5EF4-FFF2-40B4-BE49-F238E27FC236}">
+                <a16:creationId xmlns:a16="http://schemas.microsoft.com/office/drawing/2014/main" id="{87E1807E-65E1-4592-97C0-00BC07F8452B}"/>
+              </a:ext>
+            </a:extLst>
+          </p:cNvPr>
+          <p:cNvSpPr>
+            <a:spLocks noGrp="1"/>
+          </p:cNvSpPr>
+          <p:nvPr>
+            <p:ph idx="1"/>
+          </p:nvPr>
+        </p:nvSpPr>
+        <p:spPr>
+          <a:xfrm>
+            <a:off x="838201" y="1690688"/>
+            <a:ext cx="10515598" cy="1877811"/>
+          </a:xfrm>
+        </p:spPr>
+        <p:txBody>
+          <a:bodyPr>
+            <a:normAutofit/>
+          </a:bodyPr>
+          <a:lstStyle/>
+          <a:p>
+            <a:r>
+              <a:rPr lang="ru-RU" sz="2000" b="1" dirty="0">
+                <a:solidFill>
+                  <a:schemeClr val="bg1"/>
+                </a:solidFill>
+                <a:latin typeface="Arial" panose="020B0604020202020204" pitchFamily="34" charset="0"/>
+                <a:cs typeface="Arial" panose="020B0604020202020204" pitchFamily="34" charset="0"/>
+              </a:rPr>
+              <a:t>Использование одинаковых решений на разных платформах и фреймворках</a:t>
+            </a:r>
+            <a:r>
+              <a:rPr lang="en-US" sz="2000" b="1" dirty="0">
+                <a:solidFill>
+                  <a:schemeClr val="bg1"/>
+                </a:solidFill>
+                <a:latin typeface="Arial" panose="020B0604020202020204" pitchFamily="34" charset="0"/>
+                <a:cs typeface="Arial" panose="020B0604020202020204" pitchFamily="34" charset="0"/>
+              </a:rPr>
+              <a:t>;</a:t>
+            </a:r>
+            <a:endParaRPr lang="ru-RU" sz="2000" b="1" dirty="0">
+              <a:solidFill>
+                <a:schemeClr val="bg1"/>
+              </a:solidFill>
+              <a:latin typeface="Arial" panose="020B0604020202020204" pitchFamily="34" charset="0"/>
+              <a:cs typeface="Arial" panose="020B0604020202020204" pitchFamily="34" charset="0"/>
+            </a:endParaRPr>
+          </a:p>
+          <a:p>
+            <a:r>
+              <a:rPr lang="ru-RU" sz="2000" b="1" dirty="0">
+                <a:solidFill>
+                  <a:schemeClr val="bg1"/>
+                </a:solidFill>
+                <a:latin typeface="Arial" panose="020B0604020202020204" pitchFamily="34" charset="0"/>
+                <a:cs typeface="Arial" panose="020B0604020202020204" pitchFamily="34" charset="0"/>
+              </a:rPr>
+              <a:t>Данных становится больше</a:t>
+            </a:r>
+            <a:r>
+              <a:rPr lang="en-US" sz="2000" b="1" dirty="0">
+                <a:solidFill>
+                  <a:schemeClr val="bg1"/>
+                </a:solidFill>
+                <a:latin typeface="Arial" panose="020B0604020202020204" pitchFamily="34" charset="0"/>
+                <a:cs typeface="Arial" panose="020B0604020202020204" pitchFamily="34" charset="0"/>
+              </a:rPr>
+              <a:t>, </a:t>
+            </a:r>
+            <a:r>
+              <a:rPr lang="ru-RU" sz="2000" b="1" dirty="0">
+                <a:solidFill>
+                  <a:schemeClr val="bg1"/>
+                </a:solidFill>
+                <a:latin typeface="Arial" panose="020B0604020202020204" pitchFamily="34" charset="0"/>
+                <a:cs typeface="Arial" panose="020B0604020202020204" pitchFamily="34" charset="0"/>
+              </a:rPr>
+              <a:t>ресурсов требуется больше, продукт должен работать быстро и иметь презентабельный вид</a:t>
+            </a:r>
+            <a:r>
+              <a:rPr lang="en-US" sz="2000" b="1" dirty="0">
+                <a:solidFill>
+                  <a:schemeClr val="bg1"/>
+                </a:solidFill>
+                <a:latin typeface="Arial" panose="020B0604020202020204" pitchFamily="34" charset="0"/>
+                <a:cs typeface="Arial" panose="020B0604020202020204" pitchFamily="34" charset="0"/>
+              </a:rPr>
+              <a:t>;</a:t>
+            </a:r>
+            <a:endParaRPr lang="ru-RU" sz="2000" b="1" dirty="0">
+              <a:solidFill>
+                <a:schemeClr val="bg1"/>
+              </a:solidFill>
+              <a:latin typeface="Arial" panose="020B0604020202020204" pitchFamily="34" charset="0"/>
+              <a:cs typeface="Arial" panose="020B0604020202020204" pitchFamily="34" charset="0"/>
+            </a:endParaRPr>
+          </a:p>
+          <a:p>
+            <a:r>
+              <a:rPr lang="ru-RU" sz="2000" b="1" dirty="0">
+                <a:solidFill>
+                  <a:schemeClr val="bg1"/>
+                </a:solidFill>
+                <a:latin typeface="Arial" panose="020B0604020202020204" pitchFamily="34" charset="0"/>
+                <a:cs typeface="Arial" panose="020B0604020202020204" pitchFamily="34" charset="0"/>
+              </a:rPr>
+              <a:t>Поисковые роботы должны всё легко распозновать</a:t>
+            </a:r>
+            <a:r>
+              <a:rPr lang="en-US" sz="2000" b="1" dirty="0">
+                <a:solidFill>
+                  <a:schemeClr val="bg1"/>
+                </a:solidFill>
+                <a:latin typeface="Arial" panose="020B0604020202020204" pitchFamily="34" charset="0"/>
+                <a:cs typeface="Arial" panose="020B0604020202020204" pitchFamily="34" charset="0"/>
+              </a:rPr>
+              <a:t>.</a:t>
+            </a:r>
+            <a:endParaRPr lang="ru-MD" sz="2000" b="1" dirty="0">
+              <a:solidFill>
+                <a:schemeClr val="bg1"/>
+              </a:solidFill>
+              <a:latin typeface="Arial" panose="020B0604020202020204" pitchFamily="34" charset="0"/>
+              <a:cs typeface="Arial" panose="020B0604020202020204" pitchFamily="34" charset="0"/>
+            </a:endParaRPr>
+          </a:p>
+        </p:txBody>
+      </p:sp>
+      <p:pic>
+        <p:nvPicPr>
+          <p:cNvPr id="6" name="Picture 5">
+            <a:extLst>
+              <a:ext uri="{FF2B5EF4-FFF2-40B4-BE49-F238E27FC236}">
+                <a16:creationId xmlns:a16="http://schemas.microsoft.com/office/drawing/2014/main" id="{C023A4D0-5632-4829-986F-98CC9E10BB5D}"/>
+              </a:ext>
+            </a:extLst>
+          </p:cNvPr>
+          <p:cNvPicPr>
+            <a:picLocks noChangeAspect="1"/>
+          </p:cNvPicPr>
+          <p:nvPr/>
+        </p:nvPicPr>
+        <p:blipFill>
+          <a:blip r:embed="rId3">
+            <a:extLst>
+              <a:ext uri="{28A0092B-C50C-407E-A947-70E740481C1C}">
+                <a14:useLocalDpi xmlns:a14="http://schemas.microsoft.com/office/drawing/2010/main" val="0"/>
+              </a:ext>
+            </a:extLst>
+          </a:blip>
+          <a:stretch>
+            <a:fillRect/>
+          </a:stretch>
+        </p:blipFill>
+        <p:spPr>
+          <a:xfrm>
+            <a:off x="838200" y="3665342"/>
+            <a:ext cx="6195527" cy="2827533"/>
+          </a:xfrm>
+          <a:prstGeom prst="rect">
+            <a:avLst/>
+          </a:prstGeom>
+        </p:spPr>
+      </p:pic>
+      <p:pic>
+        <p:nvPicPr>
+          <p:cNvPr id="8" name="Picture 7">
+            <a:extLst>
+              <a:ext uri="{FF2B5EF4-FFF2-40B4-BE49-F238E27FC236}">
+                <a16:creationId xmlns:a16="http://schemas.microsoft.com/office/drawing/2014/main" id="{8997AD18-ABA8-40FF-854A-9B9A734080EE}"/>
+              </a:ext>
+            </a:extLst>
+          </p:cNvPr>
+          <p:cNvPicPr>
+            <a:picLocks noChangeAspect="1"/>
+          </p:cNvPicPr>
+          <p:nvPr/>
+        </p:nvPicPr>
+        <p:blipFill>
+          <a:blip r:embed="rId4">
+            <a:extLst>
+              <a:ext uri="{28A0092B-C50C-407E-A947-70E740481C1C}">
+                <a14:useLocalDpi xmlns:a14="http://schemas.microsoft.com/office/drawing/2010/main" val="0"/>
+              </a:ext>
+            </a:extLst>
+          </a:blip>
+          <a:stretch>
+            <a:fillRect/>
+          </a:stretch>
+        </p:blipFill>
+        <p:spPr>
+          <a:xfrm>
+            <a:off x="9395926" y="3228442"/>
+            <a:ext cx="1957873" cy="1877811"/>
+          </a:xfrm>
+          <a:prstGeom prst="rect">
+            <a:avLst/>
+          </a:prstGeom>
+        </p:spPr>
+      </p:pic>
+    </p:spTree>
+    <p:extLst>
+      <p:ext uri="{BB962C8B-B14F-4D97-AF65-F5344CB8AC3E}">
+        <p14:creationId xmlns:p14="http://schemas.microsoft.com/office/powerpoint/2010/main" val="1134481544"/>
+      </p:ext>
+    </p:extLst>
+  </p:cSld>
+  <p:clrMapOvr>
+    <a:masterClrMapping/>
+  </p:clrMapOvr>
+  <p:timing>
+    <p:tnLst>
+      <p:par>
+        <p:cTn id="1" dur="indefinite" restart="never" nodeType="tmRoot">
+          <p:childTnLst>
+            <p:seq concurrent="1" nextAc="seek">
+              <p:cTn id="2" dur="indefinite" nodeType="mainSeq">
+                <p:childTnLst>
+                  <p:par>
+                    <p:cTn id="3" fill="hold">
+                      <p:stCondLst>
+                        <p:cond delay="indefinite"/>
+                        <p:cond evt="onBegin" delay="0">
+                          <p:tn val="2"/>
+                        </p:cond>
+                      </p:stCondLst>
+                      <p:childTnLst>
+                        <p:par>
+                          <p:cTn id="4" fill="hold">
+                            <p:stCondLst>
+                              <p:cond delay="0"/>
+                            </p:stCondLst>
+                            <p:childTnLst>
+                              <p:par>
+                                <p:cTn id="5" presetID="2" presetClass="entr" presetSubtype="4" fill="hold" nodeType="withEffect">
+                                  <p:stCondLst>
+                                    <p:cond delay="0"/>
+                                  </p:stCondLst>
+                                  <p:childTnLst>
+                                    <p:set>
+                                      <p:cBhvr>
+                                        <p:cTn id="6" dur="1" fill="hold">
+                                          <p:stCondLst>
+                                            <p:cond delay="0"/>
+                                          </p:stCondLst>
+                                        </p:cTn>
+                                        <p:tgtEl>
+                                          <p:spTgt spid="6"/>
+                                        </p:tgtEl>
+                                        <p:attrNameLst>
+                                          <p:attrName>style.visibility</p:attrName>
+                                        </p:attrNameLst>
+                                      </p:cBhvr>
+                                      <p:to>
+                                        <p:strVal val="visible"/>
+                                      </p:to>
+                                    </p:set>
+                                    <p:anim calcmode="lin" valueType="num">
+                                      <p:cBhvr additive="base">
+                                        <p:cTn id="7" dur="500" fill="hold"/>
+                                        <p:tgtEl>
+                                          <p:spTgt spid="6"/>
+                                        </p:tgtEl>
+                                        <p:attrNameLst>
+                                          <p:attrName>ppt_x</p:attrName>
+                                        </p:attrNameLst>
+                                      </p:cBhvr>
+                                      <p:tavLst>
+                                        <p:tav tm="0">
+                                          <p:val>
+                                            <p:strVal val="#ppt_x"/>
+                                          </p:val>
+                                        </p:tav>
+                                        <p:tav tm="100000">
+                                          <p:val>
+                                            <p:strVal val="#ppt_x"/>
+                                          </p:val>
+                                        </p:tav>
+                                      </p:tavLst>
+                                    </p:anim>
+                                    <p:anim calcmode="lin" valueType="num">
+                                      <p:cBhvr additive="base">
+                                        <p:cTn id="8" dur="500" fill="hold"/>
+                                        <p:tgtEl>
+                                          <p:spTgt spid="6"/>
+                                        </p:tgtEl>
+                                        <p:attrNameLst>
+                                          <p:attrName>ppt_y</p:attrName>
+                                        </p:attrNameLst>
+                                      </p:cBhvr>
+                                      <p:tavLst>
+                                        <p:tav tm="0">
+                                          <p:val>
+                                            <p:strVal val="1+#ppt_h/2"/>
+                                          </p:val>
+                                        </p:tav>
+                                        <p:tav tm="100000">
+                                          <p:val>
+                                            <p:strVal val="#ppt_y"/>
+                                          </p:val>
+                                        </p:tav>
+                                      </p:tavLst>
+                                    </p:anim>
+                                  </p:childTnLst>
+                                </p:cTn>
+                              </p:par>
+                              <p:par>
+                                <p:cTn id="9" presetID="2" presetClass="entr" presetSubtype="8" fill="hold" grpId="0" nodeType="withEffect">
+                                  <p:stCondLst>
+                                    <p:cond delay="0"/>
+                                  </p:stCondLst>
+                                  <p:childTnLst>
+                                    <p:set>
+                                      <p:cBhvr>
+                                        <p:cTn id="10" dur="1" fill="hold">
+                                          <p:stCondLst>
+                                            <p:cond delay="0"/>
+                                          </p:stCondLst>
+                                        </p:cTn>
+                                        <p:tgtEl>
+                                          <p:spTgt spid="3">
+                                            <p:txEl>
+                                              <p:pRg st="0" end="0"/>
+                                            </p:txEl>
+                                          </p:spTgt>
+                                        </p:tgtEl>
+                                        <p:attrNameLst>
+                                          <p:attrName>style.visibility</p:attrName>
+                                        </p:attrNameLst>
+                                      </p:cBhvr>
+                                      <p:to>
+                                        <p:strVal val="visible"/>
+                                      </p:to>
+                                    </p:set>
+                                    <p:anim calcmode="lin" valueType="num">
+                                      <p:cBhvr additive="base">
+                                        <p:cTn id="11" dur="750" fill="hold"/>
+                                        <p:tgtEl>
+                                          <p:spTgt spid="3">
+                                            <p:txEl>
+                                              <p:pRg st="0" end="0"/>
+                                            </p:txEl>
+                                          </p:spTgt>
+                                        </p:tgtEl>
+                                        <p:attrNameLst>
+                                          <p:attrName>ppt_x</p:attrName>
+                                        </p:attrNameLst>
+                                      </p:cBhvr>
+                                      <p:tavLst>
+                                        <p:tav tm="0">
+                                          <p:val>
+                                            <p:strVal val="0-#ppt_w/2"/>
+                                          </p:val>
+                                        </p:tav>
+                                        <p:tav tm="100000">
+                                          <p:val>
+                                            <p:strVal val="#ppt_x"/>
+                                          </p:val>
+                                        </p:tav>
+                                      </p:tavLst>
+                                    </p:anim>
+                                    <p:anim calcmode="lin" valueType="num">
+                                      <p:cBhvr additive="base">
+                                        <p:cTn id="12" dur="750" fill="hold"/>
+                                        <p:tgtEl>
+                                          <p:spTgt spid="3">
+                                            <p:txEl>
+                                              <p:pRg st="0" end="0"/>
+                                            </p:txEl>
+                                          </p:spTgt>
+                                        </p:tgtEl>
+                                        <p:attrNameLst>
+                                          <p:attrName>ppt_y</p:attrName>
+                                        </p:attrNameLst>
+                                      </p:cBhvr>
+                                      <p:tavLst>
+                                        <p:tav tm="0">
+                                          <p:val>
+                                            <p:strVal val="#ppt_y"/>
+                                          </p:val>
+                                        </p:tav>
+                                        <p:tav tm="100000">
+                                          <p:val>
+                                            <p:strVal val="#ppt_y"/>
+                                          </p:val>
+                                        </p:tav>
+                                      </p:tavLst>
+                                    </p:anim>
+                                  </p:childTnLst>
+                                </p:cTn>
+                              </p:par>
+                              <p:par>
+                                <p:cTn id="13" presetID="2" presetClass="entr" presetSubtype="8" fill="hold" grpId="0" nodeType="withEffect">
+                                  <p:stCondLst>
+                                    <p:cond delay="0"/>
+                                  </p:stCondLst>
+                                  <p:childTnLst>
+                                    <p:set>
+                                      <p:cBhvr>
+                                        <p:cTn id="14" dur="1" fill="hold">
+                                          <p:stCondLst>
+                                            <p:cond delay="0"/>
+                                          </p:stCondLst>
+                                        </p:cTn>
+                                        <p:tgtEl>
+                                          <p:spTgt spid="3">
+                                            <p:txEl>
+                                              <p:pRg st="1" end="1"/>
+                                            </p:txEl>
+                                          </p:spTgt>
+                                        </p:tgtEl>
+                                        <p:attrNameLst>
+                                          <p:attrName>style.visibility</p:attrName>
+                                        </p:attrNameLst>
+                                      </p:cBhvr>
+                                      <p:to>
+                                        <p:strVal val="visible"/>
+                                      </p:to>
+                                    </p:set>
+                                    <p:anim calcmode="lin" valueType="num">
+                                      <p:cBhvr additive="base">
+                                        <p:cTn id="15" dur="1000" fill="hold"/>
+                                        <p:tgtEl>
+                                          <p:spTgt spid="3">
+                                            <p:txEl>
+                                              <p:pRg st="1" end="1"/>
+                                            </p:txEl>
+                                          </p:spTgt>
+                                        </p:tgtEl>
+                                        <p:attrNameLst>
+                                          <p:attrName>ppt_x</p:attrName>
+                                        </p:attrNameLst>
+                                      </p:cBhvr>
+                                      <p:tavLst>
+                                        <p:tav tm="0">
+                                          <p:val>
+                                            <p:strVal val="0-#ppt_w/2"/>
+                                          </p:val>
+                                        </p:tav>
+                                        <p:tav tm="100000">
+                                          <p:val>
+                                            <p:strVal val="#ppt_x"/>
+                                          </p:val>
+                                        </p:tav>
+                                      </p:tavLst>
+                                    </p:anim>
+                                    <p:anim calcmode="lin" valueType="num">
+                                      <p:cBhvr additive="base">
+                                        <p:cTn id="16" dur="1000" fill="hold"/>
+                                        <p:tgtEl>
+                                          <p:spTgt spid="3">
+                                            <p:txEl>
+                                              <p:pRg st="1" end="1"/>
+                                            </p:txEl>
+                                          </p:spTgt>
+                                        </p:tgtEl>
+                                        <p:attrNameLst>
+                                          <p:attrName>ppt_y</p:attrName>
+                                        </p:attrNameLst>
+                                      </p:cBhvr>
+                                      <p:tavLst>
+                                        <p:tav tm="0">
+                                          <p:val>
+                                            <p:strVal val="#ppt_y"/>
+                                          </p:val>
+                                        </p:tav>
+                                        <p:tav tm="100000">
+                                          <p:val>
+                                            <p:strVal val="#ppt_y"/>
+                                          </p:val>
+                                        </p:tav>
+                                      </p:tavLst>
+                                    </p:anim>
+                                  </p:childTnLst>
+                                </p:cTn>
+                              </p:par>
+                              <p:par>
+                                <p:cTn id="17" presetID="2" presetClass="entr" presetSubtype="8" fill="hold" grpId="0" nodeType="withEffect">
+                                  <p:stCondLst>
+                                    <p:cond delay="1250"/>
+                                  </p:stCondLst>
+                                  <p:childTnLst>
+                                    <p:set>
+                                      <p:cBhvr>
+                                        <p:cTn id="18" dur="1" fill="hold">
+                                          <p:stCondLst>
+                                            <p:cond delay="0"/>
+                                          </p:stCondLst>
+                                        </p:cTn>
+                                        <p:tgtEl>
+                                          <p:spTgt spid="3">
+                                            <p:txEl>
+                                              <p:pRg st="2" end="2"/>
+                                            </p:txEl>
+                                          </p:spTgt>
+                                        </p:tgtEl>
+                                        <p:attrNameLst>
+                                          <p:attrName>style.visibility</p:attrName>
+                                        </p:attrNameLst>
+                                      </p:cBhvr>
+                                      <p:to>
+                                        <p:strVal val="visible"/>
+                                      </p:to>
+                                    </p:set>
+                                    <p:anim calcmode="lin" valueType="num">
+                                      <p:cBhvr additive="base">
+                                        <p:cTn id="19" dur="500" fill="hold"/>
+                                        <p:tgtEl>
+                                          <p:spTgt spid="3">
+                                            <p:txEl>
+                                              <p:pRg st="2" end="2"/>
+                                            </p:txEl>
+                                          </p:spTgt>
+                                        </p:tgtEl>
+                                        <p:attrNameLst>
+                                          <p:attrName>ppt_x</p:attrName>
+                                        </p:attrNameLst>
+                                      </p:cBhvr>
+                                      <p:tavLst>
+                                        <p:tav tm="0">
+                                          <p:val>
+                                            <p:strVal val="0-#ppt_w/2"/>
+                                          </p:val>
+                                        </p:tav>
+                                        <p:tav tm="100000">
+                                          <p:val>
+                                            <p:strVal val="#ppt_x"/>
+                                          </p:val>
+                                        </p:tav>
+                                      </p:tavLst>
+                                    </p:anim>
+                                    <p:anim calcmode="lin" valueType="num">
+                                      <p:cBhvr additive="base">
+                                        <p:cTn id="20" dur="500" fill="hold"/>
+                                        <p:tgtEl>
+                                          <p:spTgt spid="3">
+                                            <p:txEl>
+                                              <p:pRg st="2" end="2"/>
+                                            </p:txEl>
+                                          </p:spTgt>
+                                        </p:tgtEl>
+                                        <p:attrNameLst>
+                                          <p:attrName>ppt_y</p:attrName>
+                                        </p:attrNameLst>
+                                      </p:cBhvr>
+                                      <p:tavLst>
+                                        <p:tav tm="0">
+                                          <p:val>
+                                            <p:strVal val="#ppt_y"/>
+                                          </p:val>
+                                        </p:tav>
+                                        <p:tav tm="100000">
+                                          <p:val>
+                                            <p:strVal val="#ppt_y"/>
+                                          </p:val>
+                                        </p:tav>
+                                      </p:tavLst>
+                                    </p:anim>
+                                  </p:childTnLst>
+                                </p:cTn>
+                              </p:par>
+                              <p:par>
+                                <p:cTn id="21" presetID="45" presetClass="entr" presetSubtype="0" fill="hold" nodeType="withEffect">
+                                  <p:stCondLst>
+                                    <p:cond delay="1250"/>
+                                  </p:stCondLst>
+                                  <p:childTnLst>
+                                    <p:set>
+                                      <p:cBhvr>
+                                        <p:cTn id="22" dur="1" fill="hold">
+                                          <p:stCondLst>
+                                            <p:cond delay="0"/>
+                                          </p:stCondLst>
+                                        </p:cTn>
+                                        <p:tgtEl>
+                                          <p:spTgt spid="8"/>
+                                        </p:tgtEl>
+                                        <p:attrNameLst>
+                                          <p:attrName>style.visibility</p:attrName>
+                                        </p:attrNameLst>
+                                      </p:cBhvr>
+                                      <p:to>
+                                        <p:strVal val="visible"/>
+                                      </p:to>
+                                    </p:set>
+                                    <p:animEffect transition="in" filter="fade">
+                                      <p:cBhvr>
+                                        <p:cTn id="23" dur="1000"/>
+                                        <p:tgtEl>
+                                          <p:spTgt spid="8"/>
+                                        </p:tgtEl>
+                                      </p:cBhvr>
+                                    </p:animEffect>
+                                    <p:anim calcmode="lin" valueType="num">
+                                      <p:cBhvr>
+                                        <p:cTn id="24" dur="1000" fill="hold"/>
+                                        <p:tgtEl>
+                                          <p:spTgt spid="8"/>
+                                        </p:tgtEl>
+                                        <p:attrNameLst>
+                                          <p:attrName>ppt_w</p:attrName>
+                                        </p:attrNameLst>
+                                      </p:cBhvr>
+                                      <p:tavLst>
+                                        <p:tav tm="0" fmla="#ppt_w*sin(2.5*pi*$)">
+                                          <p:val>
+                                            <p:fltVal val="0"/>
+                                          </p:val>
+                                        </p:tav>
+                                        <p:tav tm="100000">
+                                          <p:val>
+                                            <p:fltVal val="1"/>
+                                          </p:val>
+                                        </p:tav>
+                                      </p:tavLst>
+                                    </p:anim>
+                                    <p:anim calcmode="lin" valueType="num">
+                                      <p:cBhvr>
+                                        <p:cTn id="25" dur="1000" fill="hold"/>
+                                        <p:tgtEl>
+                                          <p:spTgt spid="8"/>
+                                        </p:tgtEl>
+                                        <p:attrNameLst>
+                                          <p:attrName>ppt_h</p:attrName>
+                                        </p:attrNameLst>
+                                      </p:cBhvr>
+                                      <p:tavLst>
+                                        <p:tav tm="0">
+                                          <p:val>
+                                            <p:strVal val="#ppt_h"/>
+                                          </p:val>
+                                        </p:tav>
+                                        <p:tav tm="100000">
+                                          <p:val>
+                                            <p:strVal val="#ppt_h"/>
+                                          </p:val>
+                                        </p:tav>
+                                      </p:tavLst>
+                                    </p:anim>
+                                  </p:childTnLst>
+                                </p:cTn>
+                              </p:par>
+                            </p:childTnLst>
+                          </p:cTn>
+                        </p:par>
+                      </p:childTnLst>
+                    </p:cTn>
+                  </p:par>
+                </p:childTnLst>
+              </p:cTn>
+              <p:prevCondLst>
+                <p:cond evt="onPrev" delay="0">
+                  <p:tgtEl>
+                    <p:sldTgt/>
+                  </p:tgtEl>
+                </p:cond>
+              </p:prevCondLst>
+              <p:nextCondLst>
+                <p:cond evt="onNext" delay="0">
+                  <p:tgtEl>
+                    <p:sldTgt/>
+                  </p:tgtEl>
+                </p:cond>
+              </p:nextCondLst>
+            </p:seq>
+          </p:childTnLst>
+        </p:cTn>
+      </p:par>
+    </p:tnLst>
+    <p:bldLst>
+      <p:bldP spid="3" grpId="0" uiExpand="1" build="p"/>
+    </p:bldLst>
+  </p:timing>
+</p:sld>
+</file>
+
+<file path=ppt/slides/slide4.xml><?xml version="1.0" encoding="utf-8"?>
+<p:sld xmlns:a="http://schemas.openxmlformats.org/drawingml/2006/main" xmlns:r="http://schemas.openxmlformats.org/officeDocument/2006/relationships" xmlns:p="http://schemas.openxmlformats.org/presentationml/2006/main">
+  <p:cSld>
+    <p:spTree>
+      <p:nvGrpSpPr>
+        <p:cNvPr id="1" name=""/>
+        <p:cNvGrpSpPr/>
+        <p:nvPr/>
+      </p:nvGrpSpPr>
+      <p:grpSpPr>
+        <a:xfrm>
+          <a:off x="0" y="0"/>
+          <a:ext cx="0" cy="0"/>
+          <a:chOff x="0" y="0"/>
+          <a:chExt cx="0" cy="0"/>
+        </a:xfrm>
+      </p:grpSpPr>
+      <p:pic>
+        <p:nvPicPr>
+          <p:cNvPr id="7" name="Picture 6">
+            <a:extLst>
+              <a:ext uri="{FF2B5EF4-FFF2-40B4-BE49-F238E27FC236}">
+                <a16:creationId xmlns:a16="http://schemas.microsoft.com/office/drawing/2014/main" id="{72B90C5D-B1F7-4384-822E-639B303E9F69}"/>
+              </a:ext>
+            </a:extLst>
+          </p:cNvPr>
+          <p:cNvPicPr>
+            <a:picLocks noChangeAspect="1"/>
+          </p:cNvPicPr>
+          <p:nvPr/>
+        </p:nvPicPr>
+        <p:blipFill>
+          <a:blip r:embed="rId2">
+            <a:extLst>
+              <a:ext uri="{28A0092B-C50C-407E-A947-70E740481C1C}">
+                <a14:useLocalDpi xmlns:a14="http://schemas.microsoft.com/office/drawing/2010/main" val="0"/>
+              </a:ext>
+            </a:extLst>
+          </a:blip>
+          <a:stretch>
+            <a:fillRect/>
+          </a:stretch>
+        </p:blipFill>
+        <p:spPr>
+          <a:xfrm>
+            <a:off x="0" y="0"/>
+            <a:ext cx="12192000" cy="6858000"/>
+          </a:xfrm>
+          <a:prstGeom prst="rect">
+            <a:avLst/>
+          </a:prstGeom>
+        </p:spPr>
+      </p:pic>
+      <p:sp>
+        <p:nvSpPr>
+          <p:cNvPr id="2" name="Title 1">
+            <a:extLst>
+              <a:ext uri="{FF2B5EF4-FFF2-40B4-BE49-F238E27FC236}">
+                <a16:creationId xmlns:a16="http://schemas.microsoft.com/office/drawing/2014/main" id="{BD609026-EA00-405F-8AAA-17501F0DAB13}"/>
+              </a:ext>
+            </a:extLst>
+          </p:cNvPr>
+          <p:cNvSpPr>
+            <a:spLocks noGrp="1"/>
+          </p:cNvSpPr>
+          <p:nvPr>
+            <p:ph type="title"/>
+          </p:nvPr>
+        </p:nvSpPr>
+        <p:spPr/>
+        <p:txBody>
+          <a:bodyPr>
+            <a:normAutofit/>
+          </a:bodyPr>
+          <a:lstStyle/>
+          <a:p>
+            <a:r>
+              <a:rPr lang="ru-RU" sz="3200" b="1" dirty="0">
+                <a:solidFill>
+                  <a:schemeClr val="bg1"/>
+                </a:solidFill>
+                <a:latin typeface="Arial" panose="020B0604020202020204" pitchFamily="34" charset="0"/>
+                <a:cs typeface="Arial" panose="020B0604020202020204" pitchFamily="34" charset="0"/>
+              </a:rPr>
+              <a:t>Проблема 1.</a:t>
+            </a:r>
+            <a:r>
+              <a:rPr lang="ru-MD" sz="3200" b="1" dirty="0">
+                <a:solidFill>
+                  <a:schemeClr val="bg1"/>
+                </a:solidFill>
+                <a:latin typeface="Arial" panose="020B0604020202020204" pitchFamily="34" charset="0"/>
+                <a:cs typeface="Arial" panose="020B0604020202020204" pitchFamily="34" charset="0"/>
+              </a:rPr>
+              <a:t> </a:t>
+            </a:r>
+            <a:r>
+              <a:rPr lang="ru-MD" sz="3200" dirty="0">
+                <a:solidFill>
+                  <a:schemeClr val="bg1"/>
+                </a:solidFill>
+                <a:latin typeface="Arial" panose="020B0604020202020204" pitchFamily="34" charset="0"/>
+                <a:cs typeface="Arial" panose="020B0604020202020204" pitchFamily="34" charset="0"/>
+              </a:rPr>
+              <a:t>Унификация кода между проектами</a:t>
+            </a:r>
+          </a:p>
+        </p:txBody>
+      </p:sp>
+      <p:sp>
+        <p:nvSpPr>
+          <p:cNvPr id="3" name="Content Placeholder 2">
+            <a:extLst>
+              <a:ext uri="{FF2B5EF4-FFF2-40B4-BE49-F238E27FC236}">
+                <a16:creationId xmlns:a16="http://schemas.microsoft.com/office/drawing/2014/main" id="{2BA8AB20-9C6A-4BB3-94BD-B1A782DD509E}"/>
+              </a:ext>
+            </a:extLst>
+          </p:cNvPr>
+          <p:cNvSpPr>
+            <a:spLocks noGrp="1"/>
+          </p:cNvSpPr>
+          <p:nvPr>
+            <p:ph idx="1"/>
+          </p:nvPr>
+        </p:nvSpPr>
+        <p:spPr>
+          <a:xfrm>
+            <a:off x="838200" y="1825625"/>
+            <a:ext cx="10515600" cy="1178832"/>
+          </a:xfrm>
+        </p:spPr>
+        <p:txBody>
+          <a:bodyPr>
+            <a:normAutofit/>
+          </a:bodyPr>
+          <a:lstStyle/>
+          <a:p>
+            <a:pPr marL="0" indent="0" algn="just">
+              <a:buNone/>
+            </a:pPr>
+            <a:r>
+              <a:rPr lang="ru-RU" sz="2000" b="1" dirty="0">
+                <a:latin typeface="Arial" panose="020B0604020202020204" pitchFamily="34" charset="0"/>
+                <a:cs typeface="Arial" panose="020B0604020202020204" pitchFamily="34" charset="0"/>
+              </a:rPr>
+              <a:t>	</a:t>
+            </a:r>
+            <a:r>
+              <a:rPr lang="ru-RU" sz="2000" b="1" dirty="0">
+                <a:solidFill>
+                  <a:schemeClr val="bg1"/>
+                </a:solidFill>
+                <a:latin typeface="Arial" panose="020B0604020202020204" pitchFamily="34" charset="0"/>
+                <a:cs typeface="Arial" panose="020B0604020202020204" pitchFamily="34" charset="0"/>
+              </a:rPr>
+              <a:t>Работа в компании предпологает использование одинаковых универсальных решений всеми разработчиками.</a:t>
+            </a:r>
+            <a:r>
+              <a:rPr lang="ru-RU" sz="2000" dirty="0">
+                <a:latin typeface="Arial" panose="020B0604020202020204" pitchFamily="34" charset="0"/>
+                <a:cs typeface="Arial" panose="020B0604020202020204" pitchFamily="34" charset="0"/>
+              </a:rPr>
+              <a:t> </a:t>
+            </a:r>
+            <a:r>
+              <a:rPr lang="ru-RU" sz="2100" b="1" dirty="0">
+                <a:solidFill>
+                  <a:schemeClr val="bg1"/>
+                </a:solidFill>
+                <a:latin typeface="Arial" panose="020B0604020202020204" pitchFamily="34" charset="0"/>
+                <a:cs typeface="Arial" panose="020B0604020202020204" pitchFamily="34" charset="0"/>
+              </a:rPr>
+              <a:t>Компании, выпускающие свои </a:t>
+            </a:r>
+            <a:r>
+              <a:rPr lang="ru-RU" sz="2000" b="1" dirty="0">
+                <a:solidFill>
+                  <a:schemeClr val="bg1"/>
+                </a:solidFill>
+                <a:latin typeface="Arial" panose="020B0604020202020204" pitchFamily="34" charset="0"/>
+                <a:cs typeface="Arial" panose="020B0604020202020204" pitchFamily="34" charset="0"/>
+              </a:rPr>
+              <a:t>продукты</a:t>
+            </a:r>
+            <a:r>
+              <a:rPr lang="ru-RU" sz="2100" b="1" dirty="0">
+                <a:solidFill>
+                  <a:schemeClr val="bg1"/>
+                </a:solidFill>
+                <a:latin typeface="Arial" panose="020B0604020202020204" pitchFamily="34" charset="0"/>
+                <a:cs typeface="Arial" panose="020B0604020202020204" pitchFamily="34" charset="0"/>
+              </a:rPr>
+              <a:t> занимаются их брендированием. </a:t>
+            </a:r>
+            <a:endParaRPr lang="ru-MD" sz="2100" b="1" dirty="0">
+              <a:solidFill>
+                <a:schemeClr val="bg1"/>
+              </a:solidFill>
+              <a:latin typeface="Arial" panose="020B0604020202020204" pitchFamily="34" charset="0"/>
+              <a:cs typeface="Arial" panose="020B0604020202020204" pitchFamily="34" charset="0"/>
+            </a:endParaRPr>
+          </a:p>
+        </p:txBody>
+      </p:sp>
+      <p:sp>
+        <p:nvSpPr>
+          <p:cNvPr id="4" name="Content Placeholder 2">
+            <a:extLst>
+              <a:ext uri="{FF2B5EF4-FFF2-40B4-BE49-F238E27FC236}">
+                <a16:creationId xmlns:a16="http://schemas.microsoft.com/office/drawing/2014/main" id="{43B6E243-B633-4614-A689-6D3BC1128596}"/>
+              </a:ext>
+            </a:extLst>
+          </p:cNvPr>
+          <p:cNvSpPr txBox="1">
+            <a:spLocks/>
+          </p:cNvSpPr>
+          <p:nvPr/>
+        </p:nvSpPr>
+        <p:spPr>
+          <a:xfrm>
+            <a:off x="838200" y="4197544"/>
+            <a:ext cx="5973146" cy="2295331"/>
+          </a:xfrm>
+          <a:prstGeom prst="rect">
+            <a:avLst/>
+          </a:prstGeom>
+        </p:spPr>
+        <p:txBody>
+          <a:bodyPr vert="horz" lIns="91440" tIns="45720" rIns="91440" bIns="45720" rtlCol="0">
+            <a:normAutofit/>
+          </a:bodyPr>
+          <a:lstStyle>
+            <a:lvl1pPr marL="228600" indent="-228600" algn="l" defTabSz="914400" rtl="0" eaLnBrk="1" latinLnBrk="0" hangingPunct="1">
+              <a:lnSpc>
+                <a:spcPct val="90000"/>
+              </a:lnSpc>
+              <a:spcBef>
+                <a:spcPts val="1000"/>
+              </a:spcBef>
+              <a:buFont typeface="Arial" panose="020B0604020202020204" pitchFamily="34" charset="0"/>
+              <a:buChar char="•"/>
+              <a:defRPr sz="2800" kern="1200">
+                <a:solidFill>
+                  <a:schemeClr val="tx1"/>
+                </a:solidFill>
+                <a:latin typeface="+mn-lt"/>
+                <a:ea typeface="+mn-ea"/>
+                <a:cs typeface="+mn-cs"/>
+              </a:defRPr>
+            </a:lvl1pPr>
+            <a:lvl2pPr marL="685800" indent="-228600" algn="l" defTabSz="914400" rtl="0" eaLnBrk="1" latinLnBrk="0" hangingPunct="1">
+              <a:lnSpc>
+                <a:spcPct val="90000"/>
+              </a:lnSpc>
+              <a:spcBef>
+                <a:spcPts val="500"/>
+              </a:spcBef>
+              <a:buFont typeface="Arial" panose="020B0604020202020204" pitchFamily="34" charset="0"/>
+              <a:buChar char="•"/>
+              <a:defRPr sz="2400" kern="1200">
+                <a:solidFill>
+                  <a:schemeClr val="tx1"/>
+                </a:solidFill>
+                <a:latin typeface="+mn-lt"/>
+                <a:ea typeface="+mn-ea"/>
+                <a:cs typeface="+mn-cs"/>
+              </a:defRPr>
+            </a:lvl2pPr>
+            <a:lvl3pPr marL="1143000" indent="-228600" algn="l" defTabSz="914400" rtl="0" eaLnBrk="1" latinLnBrk="0" hangingPunct="1">
+              <a:lnSpc>
+                <a:spcPct val="90000"/>
+              </a:lnSpc>
+              <a:spcBef>
+                <a:spcPts val="500"/>
+              </a:spcBef>
+              <a:buFont typeface="Arial" panose="020B0604020202020204" pitchFamily="34" charset="0"/>
+              <a:buChar char="•"/>
+              <a:defRPr sz="2000" kern="1200">
+                <a:solidFill>
+                  <a:schemeClr val="tx1"/>
+                </a:solidFill>
+                <a:latin typeface="+mn-lt"/>
+                <a:ea typeface="+mn-ea"/>
+                <a:cs typeface="+mn-cs"/>
+              </a:defRPr>
+            </a:lvl3pPr>
+            <a:lvl4pPr marL="1600200" indent="-228600" algn="l" defTabSz="914400" rtl="0" eaLnBrk="1" latinLnBrk="0" hangingPunct="1">
+              <a:lnSpc>
+                <a:spcPct val="90000"/>
+              </a:lnSpc>
+              <a:spcBef>
+                <a:spcPts val="500"/>
+              </a:spcBef>
+              <a:buFont typeface="Arial" panose="020B0604020202020204" pitchFamily="34" charset="0"/>
+              <a:buChar char="•"/>
+              <a:defRPr sz="1800" kern="1200">
+                <a:solidFill>
+                  <a:schemeClr val="tx1"/>
+                </a:solidFill>
+                <a:latin typeface="+mn-lt"/>
+                <a:ea typeface="+mn-ea"/>
+                <a:cs typeface="+mn-cs"/>
+              </a:defRPr>
+            </a:lvl4pPr>
+            <a:lvl5pPr marL="2057400" indent="-228600" algn="l" defTabSz="914400" rtl="0" eaLnBrk="1" latinLnBrk="0" hangingPunct="1">
+              <a:lnSpc>
+                <a:spcPct val="90000"/>
+              </a:lnSpc>
+              <a:spcBef>
+                <a:spcPts val="500"/>
+              </a:spcBef>
+              <a:buFont typeface="Arial" panose="020B0604020202020204" pitchFamily="34" charset="0"/>
+              <a:buChar char="•"/>
+              <a:defRPr sz="1800" kern="1200">
+                <a:solidFill>
+                  <a:schemeClr val="tx1"/>
+                </a:solidFill>
+                <a:latin typeface="+mn-lt"/>
+                <a:ea typeface="+mn-ea"/>
+                <a:cs typeface="+mn-cs"/>
+              </a:defRPr>
+            </a:lvl5pPr>
+            <a:lvl6pPr marL="2514600" indent="-228600" algn="l" defTabSz="914400" rtl="0" eaLnBrk="1" latinLnBrk="0" hangingPunct="1">
+              <a:lnSpc>
+                <a:spcPct val="90000"/>
+              </a:lnSpc>
+              <a:spcBef>
+                <a:spcPts val="500"/>
+              </a:spcBef>
+              <a:buFont typeface="Arial" panose="020B0604020202020204" pitchFamily="34" charset="0"/>
+              <a:buChar char="•"/>
+              <a:defRPr sz="1800" kern="1200">
+                <a:solidFill>
+                  <a:schemeClr val="tx1"/>
+                </a:solidFill>
+                <a:latin typeface="+mn-lt"/>
+                <a:ea typeface="+mn-ea"/>
+                <a:cs typeface="+mn-cs"/>
+              </a:defRPr>
+            </a:lvl6pPr>
+            <a:lvl7pPr marL="2971800" indent="-228600" algn="l" defTabSz="914400" rtl="0" eaLnBrk="1" latinLnBrk="0" hangingPunct="1">
+              <a:lnSpc>
+                <a:spcPct val="90000"/>
+              </a:lnSpc>
+              <a:spcBef>
+                <a:spcPts val="500"/>
+              </a:spcBef>
+              <a:buFont typeface="Arial" panose="020B0604020202020204" pitchFamily="34" charset="0"/>
+              <a:buChar char="•"/>
+              <a:defRPr sz="1800" kern="1200">
+                <a:solidFill>
+                  <a:schemeClr val="tx1"/>
+                </a:solidFill>
+                <a:latin typeface="+mn-lt"/>
+                <a:ea typeface="+mn-ea"/>
+                <a:cs typeface="+mn-cs"/>
+              </a:defRPr>
+            </a:lvl7pPr>
+            <a:lvl8pPr marL="3429000" indent="-228600" algn="l" defTabSz="914400" rtl="0" eaLnBrk="1" latinLnBrk="0" hangingPunct="1">
+              <a:lnSpc>
+                <a:spcPct val="90000"/>
+              </a:lnSpc>
+              <a:spcBef>
+                <a:spcPts val="500"/>
+              </a:spcBef>
+              <a:buFont typeface="Arial" panose="020B0604020202020204" pitchFamily="34" charset="0"/>
+              <a:buChar char="•"/>
+              <a:defRPr sz="1800" kern="1200">
+                <a:solidFill>
+                  <a:schemeClr val="tx1"/>
+                </a:solidFill>
+                <a:latin typeface="+mn-lt"/>
+                <a:ea typeface="+mn-ea"/>
+                <a:cs typeface="+mn-cs"/>
+              </a:defRPr>
+            </a:lvl8pPr>
+            <a:lvl9pPr marL="3886200" indent="-228600" algn="l" defTabSz="914400" rtl="0" eaLnBrk="1" latinLnBrk="0" hangingPunct="1">
+              <a:lnSpc>
+                <a:spcPct val="90000"/>
+              </a:lnSpc>
+              <a:spcBef>
+                <a:spcPts val="500"/>
+              </a:spcBef>
+              <a:buFont typeface="Arial" panose="020B0604020202020204" pitchFamily="34" charset="0"/>
+              <a:buChar char="•"/>
+              <a:defRPr sz="1800" kern="1200">
+                <a:solidFill>
+                  <a:schemeClr val="tx1"/>
+                </a:solidFill>
+                <a:latin typeface="+mn-lt"/>
+                <a:ea typeface="+mn-ea"/>
+                <a:cs typeface="+mn-cs"/>
+              </a:defRPr>
+            </a:lvl9pPr>
+          </a:lstStyle>
+          <a:p>
+            <a:pPr marL="0" indent="0" algn="just">
+              <a:buNone/>
+            </a:pPr>
+            <a:r>
+              <a:rPr lang="ru-RU" sz="1800" dirty="0">
+                <a:latin typeface="Arial" panose="020B0604020202020204" pitchFamily="34" charset="0"/>
+                <a:cs typeface="Arial" panose="020B0604020202020204" pitchFamily="34" charset="0"/>
+              </a:rPr>
+              <a:t>У Яндекс и </a:t>
+            </a:r>
+            <a:r>
+              <a:rPr lang="en-US" sz="1800" dirty="0">
+                <a:latin typeface="Arial" panose="020B0604020202020204" pitchFamily="34" charset="0"/>
+                <a:cs typeface="Arial" panose="020B0604020202020204" pitchFamily="34" charset="0"/>
+              </a:rPr>
+              <a:t>Apple </a:t>
+            </a:r>
+            <a:r>
+              <a:rPr lang="ru-RU" sz="1800" dirty="0">
+                <a:latin typeface="Arial" panose="020B0604020202020204" pitchFamily="34" charset="0"/>
+                <a:cs typeface="Arial" panose="020B0604020202020204" pitchFamily="34" charset="0"/>
+              </a:rPr>
+              <a:t>существует регламентированный дизайн кнопок, анимаций и других элементов. Одна и та же работа ведется на разных платформах и фремвроках. Это не всегда приводит к идентичному результату. Важно, чтобы пользватель не ощущал дискомфорта находять в другом продукте того же издателя.</a:t>
+            </a:r>
+            <a:endParaRPr lang="ru-MD" sz="1800" dirty="0">
+              <a:latin typeface="Arial" panose="020B0604020202020204" pitchFamily="34" charset="0"/>
+              <a:cs typeface="Arial" panose="020B0604020202020204" pitchFamily="34" charset="0"/>
+            </a:endParaRPr>
+          </a:p>
+        </p:txBody>
+      </p:sp>
+      <p:pic>
+        <p:nvPicPr>
+          <p:cNvPr id="13" name="Picture 12">
+            <a:extLst>
+              <a:ext uri="{FF2B5EF4-FFF2-40B4-BE49-F238E27FC236}">
+                <a16:creationId xmlns:a16="http://schemas.microsoft.com/office/drawing/2014/main" id="{F71DC336-A88E-42A8-894D-DD26E82EC2CC}"/>
+              </a:ext>
+            </a:extLst>
+          </p:cNvPr>
+          <p:cNvPicPr>
+            <a:picLocks noChangeAspect="1"/>
+          </p:cNvPicPr>
+          <p:nvPr/>
+        </p:nvPicPr>
+        <p:blipFill>
+          <a:blip r:embed="rId3">
+            <a:extLst>
+              <a:ext uri="{28A0092B-C50C-407E-A947-70E740481C1C}">
+                <a14:useLocalDpi xmlns:a14="http://schemas.microsoft.com/office/drawing/2010/main" val="0"/>
+              </a:ext>
+            </a:extLst>
+          </a:blip>
+          <a:stretch>
+            <a:fillRect/>
+          </a:stretch>
+        </p:blipFill>
+        <p:spPr>
+          <a:xfrm>
+            <a:off x="7576456" y="2771671"/>
+            <a:ext cx="4615543" cy="4086330"/>
+          </a:xfrm>
+          <a:prstGeom prst="rect">
+            <a:avLst/>
+          </a:prstGeom>
+        </p:spPr>
+      </p:pic>
+    </p:spTree>
+    <p:extLst>
+      <p:ext uri="{BB962C8B-B14F-4D97-AF65-F5344CB8AC3E}">
+        <p14:creationId xmlns:p14="http://schemas.microsoft.com/office/powerpoint/2010/main" val="2001069895"/>
+      </p:ext>
+    </p:extLst>
+  </p:cSld>
+  <p:clrMapOvr>
+    <a:masterClrMapping/>
+  </p:clrMapOvr>
+  <p:timing>
+    <p:tnLst>
+      <p:par>
+        <p:cTn id="1" dur="indefinite" restart="never" nodeType="tmRoot">
+          <p:childTnLst>
+            <p:seq concurrent="1" nextAc="seek">
+              <p:cTn id="2" dur="indefinite" nodeType="mainSeq">
+                <p:childTnLst>
+                  <p:par>
+                    <p:cTn id="3" fill="hold">
+                      <p:stCondLst>
+                        <p:cond delay="indefinite"/>
+                        <p:cond evt="onBegin" delay="0">
+                          <p:tn val="2"/>
+                        </p:cond>
+                      </p:stCondLst>
+                      <p:childTnLst>
+                        <p:par>
+                          <p:cTn id="4" fill="hold">
+                            <p:stCondLst>
+                              <p:cond delay="0"/>
+                            </p:stCondLst>
+                            <p:childTnLst>
+                              <p:par>
+                                <p:cTn id="5" presetID="2" presetClass="entr" presetSubtype="2" fill="hold" grpId="0" nodeType="withEffect">
+                                  <p:stCondLst>
+                                    <p:cond delay="500"/>
+                                  </p:stCondLst>
+                                  <p:childTnLst>
+                                    <p:set>
+                                      <p:cBhvr>
+                                        <p:cTn id="6" dur="1" fill="hold">
+                                          <p:stCondLst>
+                                            <p:cond delay="0"/>
+                                          </p:stCondLst>
+                                        </p:cTn>
+                                        <p:tgtEl>
+                                          <p:spTgt spid="3">
+                                            <p:txEl>
+                                              <p:pRg st="0" end="0"/>
+                                            </p:txEl>
+                                          </p:spTgt>
+                                        </p:tgtEl>
+                                        <p:attrNameLst>
+                                          <p:attrName>style.visibility</p:attrName>
+                                        </p:attrNameLst>
+                                      </p:cBhvr>
+                                      <p:to>
+                                        <p:strVal val="visible"/>
+                                      </p:to>
+                                    </p:set>
+                                    <p:anim calcmode="lin" valueType="num">
+                                      <p:cBhvr additive="base">
+                                        <p:cTn id="7" dur="500" fill="hold"/>
+                                        <p:tgtEl>
+                                          <p:spTgt spid="3">
+                                            <p:txEl>
+                                              <p:pRg st="0" end="0"/>
+                                            </p:txEl>
+                                          </p:spTgt>
+                                        </p:tgtEl>
+                                        <p:attrNameLst>
+                                          <p:attrName>ppt_x</p:attrName>
+                                        </p:attrNameLst>
+                                      </p:cBhvr>
+                                      <p:tavLst>
+                                        <p:tav tm="0">
+                                          <p:val>
+                                            <p:strVal val="1+#ppt_w/2"/>
+                                          </p:val>
+                                        </p:tav>
+                                        <p:tav tm="100000">
+                                          <p:val>
+                                            <p:strVal val="#ppt_x"/>
+                                          </p:val>
+                                        </p:tav>
+                                      </p:tavLst>
+                                    </p:anim>
+                                    <p:anim calcmode="lin" valueType="num">
+                                      <p:cBhvr additive="base">
+                                        <p:cTn id="8" dur="500" fill="hold"/>
+                                        <p:tgtEl>
+                                          <p:spTgt spid="3">
+                                            <p:txEl>
+                                              <p:pRg st="0" end="0"/>
+                                            </p:txEl>
+                                          </p:spTgt>
+                                        </p:tgtEl>
+                                        <p:attrNameLst>
+                                          <p:attrName>ppt_y</p:attrName>
+                                        </p:attrNameLst>
+                                      </p:cBhvr>
+                                      <p:tavLst>
+                                        <p:tav tm="0">
+                                          <p:val>
+                                            <p:strVal val="#ppt_y"/>
+                                          </p:val>
+                                        </p:tav>
+                                        <p:tav tm="100000">
+                                          <p:val>
+                                            <p:strVal val="#ppt_y"/>
+                                          </p:val>
+                                        </p:tav>
+                                      </p:tavLst>
+                                    </p:anim>
+                                  </p:childTnLst>
+                                </p:cTn>
+                              </p:par>
+                              <p:par>
+                                <p:cTn id="9" presetID="42" presetClass="entr" presetSubtype="0" fill="hold" grpId="0" nodeType="withEffect">
+                                  <p:stCondLst>
+                                    <p:cond delay="250"/>
+                                  </p:stCondLst>
+                                  <p:childTnLst>
+                                    <p:set>
+                                      <p:cBhvr>
+                                        <p:cTn id="10" dur="1" fill="hold">
+                                          <p:stCondLst>
+                                            <p:cond delay="0"/>
+                                          </p:stCondLst>
+                                        </p:cTn>
+                                        <p:tgtEl>
+                                          <p:spTgt spid="4"/>
+                                        </p:tgtEl>
+                                        <p:attrNameLst>
+                                          <p:attrName>style.visibility</p:attrName>
+                                        </p:attrNameLst>
+                                      </p:cBhvr>
+                                      <p:to>
+                                        <p:strVal val="visible"/>
+                                      </p:to>
+                                    </p:set>
+                                    <p:animEffect transition="in" filter="fade">
+                                      <p:cBhvr>
+                                        <p:cTn id="11" dur="1000"/>
+                                        <p:tgtEl>
+                                          <p:spTgt spid="4"/>
+                                        </p:tgtEl>
+                                      </p:cBhvr>
+                                    </p:animEffect>
+                                    <p:anim calcmode="lin" valueType="num">
+                                      <p:cBhvr>
+                                        <p:cTn id="12" dur="1000" fill="hold"/>
+                                        <p:tgtEl>
+                                          <p:spTgt spid="4"/>
+                                        </p:tgtEl>
+                                        <p:attrNameLst>
+                                          <p:attrName>ppt_x</p:attrName>
+                                        </p:attrNameLst>
+                                      </p:cBhvr>
+                                      <p:tavLst>
+                                        <p:tav tm="0">
+                                          <p:val>
+                                            <p:strVal val="#ppt_x"/>
+                                          </p:val>
+                                        </p:tav>
+                                        <p:tav tm="100000">
+                                          <p:val>
+                                            <p:strVal val="#ppt_x"/>
+                                          </p:val>
+                                        </p:tav>
+                                      </p:tavLst>
+                                    </p:anim>
+                                    <p:anim calcmode="lin" valueType="num">
+                                      <p:cBhvr>
+                                        <p:cTn id="13" dur="1000" fill="hold"/>
+                                        <p:tgtEl>
+                                          <p:spTgt spid="4"/>
+                                        </p:tgtEl>
+                                        <p:attrNameLst>
+                                          <p:attrName>ppt_y</p:attrName>
+                                        </p:attrNameLst>
+                                      </p:cBhvr>
+                                      <p:tavLst>
+                                        <p:tav tm="0">
+                                          <p:val>
+                                            <p:strVal val="#ppt_y+.1"/>
+                                          </p:val>
+                                        </p:tav>
+                                        <p:tav tm="100000">
+                                          <p:val>
+                                            <p:strVal val="#ppt_y"/>
+                                          </p:val>
+                                        </p:tav>
+                                      </p:tavLst>
+                                    </p:anim>
+                                  </p:childTnLst>
+                                </p:cTn>
+                              </p:par>
+                            </p:childTnLst>
+                          </p:cTn>
+                        </p:par>
+                      </p:childTnLst>
+                    </p:cTn>
+                  </p:par>
+                </p:childTnLst>
+              </p:cTn>
+              <p:prevCondLst>
+                <p:cond evt="onPrev" delay="0">
+                  <p:tgtEl>
+                    <p:sldTgt/>
+                  </p:tgtEl>
+                </p:cond>
+              </p:prevCondLst>
+              <p:nextCondLst>
+                <p:cond evt="onNext" delay="0">
+                  <p:tgtEl>
+                    <p:sldTgt/>
+                  </p:tgtEl>
+                </p:cond>
+              </p:nextCondLst>
+            </p:seq>
+          </p:childTnLst>
+        </p:cTn>
+      </p:par>
+    </p:tnLst>
+    <p:bldLst>
+      <p:bldP spid="3" grpId="0" build="p"/>
+      <p:bldP spid="4" grpId="0"/>
+    </p:bldLst>
+  </p:timing>
+</p:sld>
+</file>
+
+<file path=ppt/slides/slide5.xml><?xml version="1.0" encoding="utf-8"?>
+<p:sld xmlns:a="http://schemas.openxmlformats.org/drawingml/2006/main" xmlns:r="http://schemas.openxmlformats.org/officeDocument/2006/relationships" xmlns:p="http://schemas.openxmlformats.org/presentationml/2006/main">
+  <p:cSld>
+    <p:spTree>
+      <p:nvGrpSpPr>
+        <p:cNvPr id="1" name=""/>
+        <p:cNvGrpSpPr/>
+        <p:nvPr/>
+      </p:nvGrpSpPr>
+      <p:grpSpPr>
+        <a:xfrm>
+          <a:off x="0" y="0"/>
+          <a:ext cx="0" cy="0"/>
+          <a:chOff x="0" y="0"/>
+          <a:chExt cx="0" cy="0"/>
+        </a:xfrm>
+      </p:grpSpPr>
+      <p:pic>
+        <p:nvPicPr>
+          <p:cNvPr id="4" name="Picture 3">
+            <a:extLst>
+              <a:ext uri="{FF2B5EF4-FFF2-40B4-BE49-F238E27FC236}">
+                <a16:creationId xmlns:a16="http://schemas.microsoft.com/office/drawing/2014/main" id="{4B572E68-A96A-4AEA-85C6-8D1255F35A66}"/>
+              </a:ext>
+            </a:extLst>
+          </p:cNvPr>
+          <p:cNvPicPr>
+            <a:picLocks noChangeAspect="1"/>
+          </p:cNvPicPr>
+          <p:nvPr/>
+        </p:nvPicPr>
+        <p:blipFill>
+          <a:blip r:embed="rId2">
+            <a:extLst>
+              <a:ext uri="{28A0092B-C50C-407E-A947-70E740481C1C}">
+                <a14:useLocalDpi xmlns:a14="http://schemas.microsoft.com/office/drawing/2010/main" val="0"/>
+              </a:ext>
+            </a:extLst>
+          </a:blip>
+          <a:stretch>
+            <a:fillRect/>
+          </a:stretch>
+        </p:blipFill>
+        <p:spPr>
+          <a:xfrm>
+            <a:off x="0" y="0"/>
+            <a:ext cx="12192000" cy="6858000"/>
+          </a:xfrm>
+          <a:prstGeom prst="rect">
+            <a:avLst/>
+          </a:prstGeom>
+        </p:spPr>
+      </p:pic>
+      <p:sp>
+        <p:nvSpPr>
+          <p:cNvPr id="2" name="Title 1">
+            <a:extLst>
+              <a:ext uri="{FF2B5EF4-FFF2-40B4-BE49-F238E27FC236}">
+                <a16:creationId xmlns:a16="http://schemas.microsoft.com/office/drawing/2014/main" id="{C6581417-C037-4F47-885E-F56583C2679F}"/>
+              </a:ext>
+            </a:extLst>
+          </p:cNvPr>
+          <p:cNvSpPr>
+            <a:spLocks noGrp="1"/>
+          </p:cNvSpPr>
+          <p:nvPr>
+            <p:ph type="title"/>
+          </p:nvPr>
+        </p:nvSpPr>
+        <p:spPr/>
+        <p:txBody>
+          <a:bodyPr>
+            <a:normAutofit/>
+          </a:bodyPr>
+          <a:lstStyle/>
+          <a:p>
+            <a:r>
+              <a:rPr lang="ru-MD" sz="3200" b="1" dirty="0">
+                <a:solidFill>
+                  <a:schemeClr val="bg1"/>
+                </a:solidFill>
+                <a:latin typeface="Arial" panose="020B0604020202020204" pitchFamily="34" charset="0"/>
+                <a:cs typeface="Arial" panose="020B0604020202020204" pitchFamily="34" charset="0"/>
+              </a:rPr>
+              <a:t>Проблема 2. </a:t>
+            </a:r>
+            <a:r>
+              <a:rPr lang="ru-MD" sz="3200" dirty="0">
+                <a:solidFill>
+                  <a:schemeClr val="bg1"/>
+                </a:solidFill>
+                <a:latin typeface="Arial" panose="020B0604020202020204" pitchFamily="34" charset="0"/>
+                <a:cs typeface="Arial" panose="020B0604020202020204" pitchFamily="34" charset="0"/>
+              </a:rPr>
+              <a:t>Высоконагруженный интерфейс</a:t>
+            </a:r>
+          </a:p>
+        </p:txBody>
+      </p:sp>
+      <p:sp>
+        <p:nvSpPr>
+          <p:cNvPr id="3" name="Content Placeholder 2">
+            <a:extLst>
+              <a:ext uri="{FF2B5EF4-FFF2-40B4-BE49-F238E27FC236}">
+                <a16:creationId xmlns:a16="http://schemas.microsoft.com/office/drawing/2014/main" id="{9375137E-7623-4F6E-9E94-183FFB1E29A1}"/>
+              </a:ext>
+            </a:extLst>
+          </p:cNvPr>
+          <p:cNvSpPr>
+            <a:spLocks noGrp="1"/>
+          </p:cNvSpPr>
+          <p:nvPr>
+            <p:ph idx="1"/>
+          </p:nvPr>
+        </p:nvSpPr>
+        <p:spPr>
+          <a:xfrm>
+            <a:off x="838200" y="1825625"/>
+            <a:ext cx="10515600" cy="1803983"/>
+          </a:xfrm>
+        </p:spPr>
+        <p:txBody>
+          <a:bodyPr>
+            <a:normAutofit/>
+          </a:bodyPr>
+          <a:lstStyle/>
+          <a:p>
+            <a:pPr marL="0" indent="0" algn="just">
+              <a:buNone/>
+            </a:pPr>
+            <a:r>
+              <a:rPr lang="ru-RU" sz="2000" b="1" dirty="0">
+                <a:solidFill>
+                  <a:schemeClr val="bg1"/>
+                </a:solidFill>
+                <a:latin typeface="Arial" panose="020B0604020202020204" pitchFamily="34" charset="0"/>
+                <a:cs typeface="Arial" panose="020B0604020202020204" pitchFamily="34" charset="0"/>
+              </a:rPr>
+              <a:t>	Современные Web приложения заменяют большинство десктопных аналогов. Болшинство таких приложений это множество разнообразного контента на сайте, который "должен уметь всё!" и быстро загружаться.</a:t>
+            </a:r>
+            <a:endParaRPr lang="ru-MD" sz="2000" b="1" dirty="0">
+              <a:solidFill>
+                <a:schemeClr val="bg1"/>
+              </a:solidFill>
+              <a:latin typeface="Arial" panose="020B0604020202020204" pitchFamily="34" charset="0"/>
+              <a:cs typeface="Arial" panose="020B0604020202020204" pitchFamily="34" charset="0"/>
+            </a:endParaRPr>
+          </a:p>
+        </p:txBody>
+      </p:sp>
+      <p:pic>
+        <p:nvPicPr>
+          <p:cNvPr id="14" name="Picture 13">
+            <a:extLst>
+              <a:ext uri="{FF2B5EF4-FFF2-40B4-BE49-F238E27FC236}">
+                <a16:creationId xmlns:a16="http://schemas.microsoft.com/office/drawing/2014/main" id="{D789976A-AF8B-47DF-B804-924B68E31E03}"/>
+              </a:ext>
+            </a:extLst>
+          </p:cNvPr>
+          <p:cNvPicPr>
+            <a:picLocks noChangeAspect="1"/>
+          </p:cNvPicPr>
+          <p:nvPr/>
+        </p:nvPicPr>
+        <p:blipFill>
+          <a:blip r:embed="rId3">
+            <a:extLst>
+              <a:ext uri="{28A0092B-C50C-407E-A947-70E740481C1C}">
+                <a14:useLocalDpi xmlns:a14="http://schemas.microsoft.com/office/drawing/2010/main" val="0"/>
+              </a:ext>
+            </a:extLst>
+          </a:blip>
+          <a:stretch>
+            <a:fillRect/>
+          </a:stretch>
+        </p:blipFill>
+        <p:spPr>
+          <a:xfrm>
+            <a:off x="6671387" y="3267060"/>
+            <a:ext cx="5215812" cy="3475067"/>
+          </a:xfrm>
+          <a:prstGeom prst="rect">
+            <a:avLst/>
+          </a:prstGeom>
+        </p:spPr>
+      </p:pic>
+      <p:pic>
+        <p:nvPicPr>
+          <p:cNvPr id="20" name="Picture 19">
+            <a:extLst>
+              <a:ext uri="{FF2B5EF4-FFF2-40B4-BE49-F238E27FC236}">
+                <a16:creationId xmlns:a16="http://schemas.microsoft.com/office/drawing/2014/main" id="{9D5D45AF-E18E-4FB4-84B5-FBD8DCED1F81}"/>
+              </a:ext>
+            </a:extLst>
+          </p:cNvPr>
+          <p:cNvPicPr>
+            <a:picLocks noChangeAspect="1"/>
+          </p:cNvPicPr>
+          <p:nvPr/>
+        </p:nvPicPr>
+        <p:blipFill>
+          <a:blip r:embed="rId4">
+            <a:extLst>
+              <a:ext uri="{28A0092B-C50C-407E-A947-70E740481C1C}">
+                <a14:useLocalDpi xmlns:a14="http://schemas.microsoft.com/office/drawing/2010/main" val="0"/>
+              </a:ext>
+            </a:extLst>
+          </a:blip>
+          <a:stretch>
+            <a:fillRect/>
+          </a:stretch>
+        </p:blipFill>
+        <p:spPr>
+          <a:xfrm>
+            <a:off x="838200" y="3367070"/>
+            <a:ext cx="4366727" cy="3275045"/>
+          </a:xfrm>
+          <a:prstGeom prst="rect">
+            <a:avLst/>
+          </a:prstGeom>
+        </p:spPr>
+      </p:pic>
+    </p:spTree>
+    <p:extLst>
+      <p:ext uri="{BB962C8B-B14F-4D97-AF65-F5344CB8AC3E}">
+        <p14:creationId xmlns:p14="http://schemas.microsoft.com/office/powerpoint/2010/main" val="2334401806"/>
+      </p:ext>
+    </p:extLst>
+  </p:cSld>
+  <p:clrMapOvr>
+    <a:masterClrMapping/>
+  </p:clrMapOvr>
+  <p:timing>
+    <p:tnLst>
+      <p:par>
+        <p:cTn id="1" dur="indefinite" restart="never" nodeType="tmRoot">
+          <p:childTnLst>
+            <p:seq concurrent="1" nextAc="seek">
+              <p:cTn id="2" dur="indefinite" nodeType="mainSeq">
+                <p:childTnLst>
+                  <p:par>
+                    <p:cTn id="3" fill="hold">
+                      <p:stCondLst>
+                        <p:cond delay="indefinite"/>
+                        <p:cond evt="onBegin" delay="0">
+                          <p:tn val="2"/>
+                        </p:cond>
+                      </p:stCondLst>
+                      <p:childTnLst>
+                        <p:par>
+                          <p:cTn id="4" fill="hold">
+                            <p:stCondLst>
+                              <p:cond delay="0"/>
+                            </p:stCondLst>
+                            <p:childTnLst>
+                              <p:par>
+                                <p:cTn id="5" presetID="42" presetClass="entr" presetSubtype="0" fill="hold" grpId="0" nodeType="withEffect">
+                                  <p:stCondLst>
+                                    <p:cond delay="0"/>
+                                  </p:stCondLst>
+                                  <p:childTnLst>
+                                    <p:set>
+                                      <p:cBhvr>
+                                        <p:cTn id="6" dur="1" fill="hold">
+                                          <p:stCondLst>
+                                            <p:cond delay="0"/>
+                                          </p:stCondLst>
+                                        </p:cTn>
+                                        <p:tgtEl>
+                                          <p:spTgt spid="3">
+                                            <p:txEl>
+                                              <p:pRg st="0" end="0"/>
+                                            </p:txEl>
+                                          </p:spTgt>
+                                        </p:tgtEl>
+                                        <p:attrNameLst>
+                                          <p:attrName>style.visibility</p:attrName>
+                                        </p:attrNameLst>
+                                      </p:cBhvr>
+                                      <p:to>
+                                        <p:strVal val="visible"/>
+                                      </p:to>
+                                    </p:set>
+                                    <p:animEffect transition="in" filter="fade">
+                                      <p:cBhvr>
+                                        <p:cTn id="7" dur="1000"/>
+                                        <p:tgtEl>
+                                          <p:spTgt spid="3">
+                                            <p:txEl>
+                                              <p:pRg st="0" end="0"/>
+                                            </p:txEl>
+                                          </p:spTgt>
+                                        </p:tgtEl>
+                                      </p:cBhvr>
+                                    </p:animEffect>
+                                    <p:anim calcmode="lin" valueType="num">
+                                      <p:cBhvr>
+                                        <p:cTn id="8" dur="1000" fill="hold"/>
+                                        <p:tgtEl>
+                                          <p:spTgt spid="3">
+                                            <p:txEl>
+                                              <p:pRg st="0" end="0"/>
+                                            </p:txEl>
+                                          </p:spTgt>
+                                        </p:tgtEl>
+                                        <p:attrNameLst>
+                                          <p:attrName>ppt_x</p:attrName>
+                                        </p:attrNameLst>
+                                      </p:cBhvr>
+                                      <p:tavLst>
+                                        <p:tav tm="0">
+                                          <p:val>
+                                            <p:strVal val="#ppt_x"/>
+                                          </p:val>
+                                        </p:tav>
+                                        <p:tav tm="100000">
+                                          <p:val>
+                                            <p:strVal val="#ppt_x"/>
+                                          </p:val>
+                                        </p:tav>
+                                      </p:tavLst>
+                                    </p:anim>
+                                    <p:anim calcmode="lin" valueType="num">
+                                      <p:cBhvr>
+                                        <p:cTn id="9" dur="1000" fill="hold"/>
+                                        <p:tgtEl>
+                                          <p:spTgt spid="3">
+                                            <p:txEl>
+                                              <p:pRg st="0" end="0"/>
+                                            </p:txEl>
+                                          </p:spTgt>
+                                        </p:tgtEl>
+                                        <p:attrNameLst>
+                                          <p:attrName>ppt_y</p:attrName>
+                                        </p:attrNameLst>
+                                      </p:cBhvr>
+                                      <p:tavLst>
+                                        <p:tav tm="0">
+                                          <p:val>
+                                            <p:strVal val="#ppt_y+.1"/>
+                                          </p:val>
+                                        </p:tav>
+                                        <p:tav tm="100000">
+                                          <p:val>
+                                            <p:strVal val="#ppt_y"/>
+                                          </p:val>
+                                        </p:tav>
+                                      </p:tavLst>
+                                    </p:anim>
+                                  </p:childTnLst>
+                                </p:cTn>
+                              </p:par>
+                              <p:par>
+                                <p:cTn id="10" presetID="2" presetClass="entr" presetSubtype="4" fill="hold" nodeType="withEffect">
+                                  <p:stCondLst>
+                                    <p:cond delay="0"/>
+                                  </p:stCondLst>
+                                  <p:childTnLst>
+                                    <p:set>
+                                      <p:cBhvr>
+                                        <p:cTn id="11" dur="1" fill="hold">
+                                          <p:stCondLst>
+                                            <p:cond delay="0"/>
+                                          </p:stCondLst>
+                                        </p:cTn>
+                                        <p:tgtEl>
+                                          <p:spTgt spid="20"/>
+                                        </p:tgtEl>
+                                        <p:attrNameLst>
+                                          <p:attrName>style.visibility</p:attrName>
+                                        </p:attrNameLst>
+                                      </p:cBhvr>
+                                      <p:to>
+                                        <p:strVal val="visible"/>
+                                      </p:to>
+                                    </p:set>
+                                    <p:anim calcmode="lin" valueType="num">
+                                      <p:cBhvr additive="base">
+                                        <p:cTn id="12" dur="500" fill="hold"/>
+                                        <p:tgtEl>
+                                          <p:spTgt spid="20"/>
+                                        </p:tgtEl>
+                                        <p:attrNameLst>
+                                          <p:attrName>ppt_x</p:attrName>
+                                        </p:attrNameLst>
+                                      </p:cBhvr>
+                                      <p:tavLst>
+                                        <p:tav tm="0">
+                                          <p:val>
+                                            <p:strVal val="#ppt_x"/>
+                                          </p:val>
+                                        </p:tav>
+                                        <p:tav tm="100000">
+                                          <p:val>
+                                            <p:strVal val="#ppt_x"/>
+                                          </p:val>
+                                        </p:tav>
+                                      </p:tavLst>
+                                    </p:anim>
+                                    <p:anim calcmode="lin" valueType="num">
+                                      <p:cBhvr additive="base">
+                                        <p:cTn id="13" dur="500" fill="hold"/>
+                                        <p:tgtEl>
+                                          <p:spTgt spid="20"/>
+                                        </p:tgtEl>
+                                        <p:attrNameLst>
+                                          <p:attrName>ppt_y</p:attrName>
+                                        </p:attrNameLst>
+                                      </p:cBhvr>
+                                      <p:tavLst>
+                                        <p:tav tm="0">
+                                          <p:val>
+                                            <p:strVal val="1+#ppt_h/2"/>
+                                          </p:val>
+                                        </p:tav>
+                                        <p:tav tm="100000">
+                                          <p:val>
+                                            <p:strVal val="#ppt_y"/>
+                                          </p:val>
+                                        </p:tav>
+                                      </p:tavLst>
+                                    </p:anim>
+                                  </p:childTnLst>
+                                </p:cTn>
+                              </p:par>
+                              <p:par>
+                                <p:cTn id="14" presetID="53" presetClass="entr" presetSubtype="16" fill="hold" nodeType="withEffect">
+                                  <p:stCondLst>
+                                    <p:cond delay="250"/>
+                                  </p:stCondLst>
+                                  <p:childTnLst>
+                                    <p:set>
+                                      <p:cBhvr>
+                                        <p:cTn id="15" dur="1" fill="hold">
+                                          <p:stCondLst>
+                                            <p:cond delay="0"/>
+                                          </p:stCondLst>
+                                        </p:cTn>
+                                        <p:tgtEl>
+                                          <p:spTgt spid="14"/>
+                                        </p:tgtEl>
+                                        <p:attrNameLst>
+                                          <p:attrName>style.visibility</p:attrName>
+                                        </p:attrNameLst>
+                                      </p:cBhvr>
+                                      <p:to>
+                                        <p:strVal val="visible"/>
+                                      </p:to>
+                                    </p:set>
+                                    <p:anim calcmode="lin" valueType="num">
+                                      <p:cBhvr>
+                                        <p:cTn id="16" dur="500" fill="hold"/>
+                                        <p:tgtEl>
+                                          <p:spTgt spid="14"/>
+                                        </p:tgtEl>
+                                        <p:attrNameLst>
+                                          <p:attrName>ppt_w</p:attrName>
+                                        </p:attrNameLst>
+                                      </p:cBhvr>
+                                      <p:tavLst>
+                                        <p:tav tm="0">
+                                          <p:val>
+                                            <p:fltVal val="0"/>
+                                          </p:val>
+                                        </p:tav>
+                                        <p:tav tm="100000">
+                                          <p:val>
+                                            <p:strVal val="#ppt_w"/>
+                                          </p:val>
+                                        </p:tav>
+                                      </p:tavLst>
+                                    </p:anim>
+                                    <p:anim calcmode="lin" valueType="num">
+                                      <p:cBhvr>
+                                        <p:cTn id="17" dur="500" fill="hold"/>
+                                        <p:tgtEl>
+                                          <p:spTgt spid="14"/>
+                                        </p:tgtEl>
+                                        <p:attrNameLst>
+                                          <p:attrName>ppt_h</p:attrName>
+                                        </p:attrNameLst>
+                                      </p:cBhvr>
+                                      <p:tavLst>
+                                        <p:tav tm="0">
+                                          <p:val>
+                                            <p:fltVal val="0"/>
+                                          </p:val>
+                                        </p:tav>
+                                        <p:tav tm="100000">
+                                          <p:val>
+                                            <p:strVal val="#ppt_h"/>
+                                          </p:val>
+                                        </p:tav>
+                                      </p:tavLst>
+                                    </p:anim>
+                                    <p:animEffect transition="in" filter="fade">
+                                      <p:cBhvr>
+                                        <p:cTn id="18" dur="500"/>
+                                        <p:tgtEl>
+                                          <p:spTgt spid="14"/>
+                                        </p:tgtEl>
+                                      </p:cBhvr>
+                                    </p:animEffect>
+                                  </p:childTnLst>
+                                </p:cTn>
+                              </p:par>
+                            </p:childTnLst>
+                          </p:cTn>
+                        </p:par>
+                      </p:childTnLst>
+                    </p:cTn>
+                  </p:par>
+                </p:childTnLst>
+              </p:cTn>
+              <p:prevCondLst>
+                <p:cond evt="onPrev" delay="0">
+                  <p:tgtEl>
+                    <p:sldTgt/>
+                  </p:tgtEl>
+                </p:cond>
+              </p:prevCondLst>
+              <p:nextCondLst>
+                <p:cond evt="onNext" delay="0">
+                  <p:tgtEl>
+                    <p:sldTgt/>
+                  </p:tgtEl>
+                </p:cond>
+              </p:nextCondLst>
+            </p:seq>
+          </p:childTnLst>
+        </p:cTn>
+      </p:par>
+    </p:tnLst>
+    <p:bldLst>
+      <p:bldP spid="3" grpId="0" build="p"/>
+    </p:bldLst>
+  </p:timing>
+</p:sld>
+</file>
+
+<file path=ppt/slides/slide6.xml><?xml version="1.0" encoding="utf-8"?>
+<p:sld xmlns:a="http://schemas.openxmlformats.org/drawingml/2006/main" xmlns:r="http://schemas.openxmlformats.org/officeDocument/2006/relationships" xmlns:p="http://schemas.openxmlformats.org/presentationml/2006/main">
+  <p:cSld>
+    <p:spTree>
+      <p:nvGrpSpPr>
+        <p:cNvPr id="1" name=""/>
+        <p:cNvGrpSpPr/>
+        <p:nvPr/>
+      </p:nvGrpSpPr>
+      <p:grpSpPr>
+        <a:xfrm>
+          <a:off x="0" y="0"/>
+          <a:ext cx="0" cy="0"/>
+          <a:chOff x="0" y="0"/>
+          <a:chExt cx="0" cy="0"/>
+        </a:xfrm>
+      </p:grpSpPr>
+      <p:pic>
+        <p:nvPicPr>
+          <p:cNvPr id="4" name="Picture 3">
+            <a:extLst>
+              <a:ext uri="{FF2B5EF4-FFF2-40B4-BE49-F238E27FC236}">
+                <a16:creationId xmlns:a16="http://schemas.microsoft.com/office/drawing/2014/main" id="{C8F5F716-26F4-43E2-A2DF-4D0A002360FB}"/>
+              </a:ext>
+            </a:extLst>
+          </p:cNvPr>
+          <p:cNvPicPr>
+            <a:picLocks noChangeAspect="1"/>
+          </p:cNvPicPr>
+          <p:nvPr/>
+        </p:nvPicPr>
+        <p:blipFill>
+          <a:blip r:embed="rId2">
+            <a:extLst>
+              <a:ext uri="{28A0092B-C50C-407E-A947-70E740481C1C}">
+                <a14:useLocalDpi xmlns:a14="http://schemas.microsoft.com/office/drawing/2010/main" val="0"/>
+              </a:ext>
+            </a:extLst>
+          </a:blip>
+          <a:stretch>
+            <a:fillRect/>
+          </a:stretch>
+        </p:blipFill>
+        <p:spPr>
+          <a:xfrm>
+            <a:off x="0" y="0"/>
+            <a:ext cx="12192000" cy="6858000"/>
+          </a:xfrm>
+          <a:prstGeom prst="rect">
+            <a:avLst/>
+          </a:prstGeom>
+        </p:spPr>
+      </p:pic>
+      <p:sp>
+        <p:nvSpPr>
+          <p:cNvPr id="2" name="Title 1">
+            <a:extLst>
+              <a:ext uri="{FF2B5EF4-FFF2-40B4-BE49-F238E27FC236}">
+                <a16:creationId xmlns:a16="http://schemas.microsoft.com/office/drawing/2014/main" id="{C62ABAD3-0D73-48F6-852C-A6D2F3B5A0D9}"/>
+              </a:ext>
+            </a:extLst>
+          </p:cNvPr>
+          <p:cNvSpPr>
+            <a:spLocks noGrp="1"/>
+          </p:cNvSpPr>
+          <p:nvPr>
+            <p:ph type="title"/>
+          </p:nvPr>
+        </p:nvSpPr>
+        <p:spPr/>
+        <p:txBody>
+          <a:bodyPr>
+            <a:normAutofit/>
+          </a:bodyPr>
+          <a:lstStyle/>
+          <a:p>
+            <a:r>
+              <a:rPr lang="ru-RU" sz="3200" b="1" dirty="0">
+                <a:solidFill>
+                  <a:schemeClr val="bg1"/>
+                </a:solidFill>
+                <a:latin typeface="Arial" panose="020B0604020202020204" pitchFamily="34" charset="0"/>
+                <a:cs typeface="Arial" panose="020B0604020202020204" pitchFamily="34" charset="0"/>
+              </a:rPr>
+              <a:t>Проблема 3. </a:t>
+            </a:r>
+            <a:r>
+              <a:rPr lang="ru-RU" sz="3200" dirty="0">
+                <a:solidFill>
+                  <a:schemeClr val="bg1"/>
+                </a:solidFill>
+                <a:latin typeface="Arial" panose="020B0604020202020204" pitchFamily="34" charset="0"/>
+                <a:cs typeface="Arial" panose="020B0604020202020204" pitchFamily="34" charset="0"/>
+              </a:rPr>
+              <a:t>SEO для SPA приложений</a:t>
+            </a:r>
+            <a:endParaRPr lang="ru-MD" sz="3200" dirty="0">
+              <a:solidFill>
+                <a:schemeClr val="bg1"/>
+              </a:solidFill>
+              <a:latin typeface="Arial" panose="020B0604020202020204" pitchFamily="34" charset="0"/>
+              <a:cs typeface="Arial" panose="020B0604020202020204" pitchFamily="34" charset="0"/>
+            </a:endParaRPr>
+          </a:p>
+        </p:txBody>
+      </p:sp>
+      <p:sp>
+        <p:nvSpPr>
+          <p:cNvPr id="3" name="Content Placeholder 2">
+            <a:extLst>
+              <a:ext uri="{FF2B5EF4-FFF2-40B4-BE49-F238E27FC236}">
+                <a16:creationId xmlns:a16="http://schemas.microsoft.com/office/drawing/2014/main" id="{3CEB3F48-5632-4EAE-B65B-DCA81A27B5E6}"/>
+              </a:ext>
+            </a:extLst>
+          </p:cNvPr>
+          <p:cNvSpPr>
+            <a:spLocks noGrp="1"/>
+          </p:cNvSpPr>
+          <p:nvPr>
+            <p:ph idx="1"/>
+          </p:nvPr>
+        </p:nvSpPr>
+        <p:spPr>
+          <a:xfrm>
+            <a:off x="838200" y="1825624"/>
+            <a:ext cx="10515600" cy="1794653"/>
+          </a:xfrm>
+        </p:spPr>
+        <p:txBody>
+          <a:bodyPr>
+            <a:normAutofit/>
+          </a:bodyPr>
+          <a:lstStyle/>
+          <a:p>
+            <a:pPr marL="0" indent="0" algn="just">
+              <a:buNone/>
+            </a:pPr>
+            <a:r>
+              <a:rPr lang="ru-RU" sz="2000" b="1" dirty="0">
+                <a:solidFill>
+                  <a:schemeClr val="bg1"/>
+                </a:solidFill>
+                <a:latin typeface="Arial" panose="020B0604020202020204" pitchFamily="34" charset="0"/>
+                <a:cs typeface="Arial" panose="020B0604020202020204" pitchFamily="34" charset="0"/>
+              </a:rPr>
+              <a:t>	Большие проекты проблематично писать на «чистом JS». Используются фреймврки такие как Angular, Vue, React и тд, которые создают SPA приложение. </a:t>
+            </a:r>
+            <a:r>
+              <a:rPr lang="ru-RU" sz="2000" b="1">
+                <a:solidFill>
+                  <a:schemeClr val="bg1"/>
+                </a:solidFill>
+                <a:latin typeface="Arial" panose="020B0604020202020204" pitchFamily="34" charset="0"/>
+                <a:cs typeface="Arial" panose="020B0604020202020204" pitchFamily="34" charset="0"/>
+              </a:rPr>
+              <a:t>Поисковые роботы не </a:t>
+            </a:r>
+            <a:r>
+              <a:rPr lang="ru-RU" sz="2000" b="1" dirty="0">
+                <a:solidFill>
+                  <a:schemeClr val="bg1"/>
+                </a:solidFill>
+                <a:latin typeface="Arial" panose="020B0604020202020204" pitchFamily="34" charset="0"/>
+                <a:cs typeface="Arial" panose="020B0604020202020204" pitchFamily="34" charset="0"/>
+              </a:rPr>
+              <a:t>умеют </a:t>
+            </a:r>
+            <a:r>
+              <a:rPr lang="ru-RU" sz="2000" b="1">
+                <a:solidFill>
+                  <a:schemeClr val="bg1"/>
+                </a:solidFill>
+                <a:latin typeface="Arial" panose="020B0604020202020204" pitchFamily="34" charset="0"/>
+                <a:cs typeface="Arial" panose="020B0604020202020204" pitchFamily="34" charset="0"/>
+              </a:rPr>
+              <a:t>обрабатывать JavaScript, или </a:t>
+            </a:r>
+            <a:r>
+              <a:rPr lang="ru-RU" sz="2000" b="1" dirty="0">
+                <a:solidFill>
+                  <a:schemeClr val="bg1"/>
+                </a:solidFill>
+                <a:latin typeface="Arial" panose="020B0604020202020204" pitchFamily="34" charset="0"/>
+                <a:cs typeface="Arial" panose="020B0604020202020204" pitchFamily="34" charset="0"/>
+              </a:rPr>
+              <a:t>пока делают это не очень </a:t>
+            </a:r>
+            <a:r>
+              <a:rPr lang="ru-RU" sz="2000" b="1">
+                <a:solidFill>
+                  <a:schemeClr val="bg1"/>
+                </a:solidFill>
+                <a:latin typeface="Arial" panose="020B0604020202020204" pitchFamily="34" charset="0"/>
+                <a:cs typeface="Arial" panose="020B0604020202020204" pitchFamily="34" charset="0"/>
+              </a:rPr>
+              <a:t>качественно.</a:t>
+            </a:r>
+            <a:endParaRPr lang="ru-MD" sz="2000" b="1" dirty="0">
+              <a:solidFill>
+                <a:schemeClr val="bg1"/>
+              </a:solidFill>
+              <a:latin typeface="Arial" panose="020B0604020202020204" pitchFamily="34" charset="0"/>
+              <a:cs typeface="Arial" panose="020B0604020202020204" pitchFamily="34" charset="0"/>
+            </a:endParaRPr>
+          </a:p>
+        </p:txBody>
+      </p:sp>
+      <p:pic>
+        <p:nvPicPr>
+          <p:cNvPr id="2050" name="Picture 2">
+            <a:extLst>
+              <a:ext uri="{FF2B5EF4-FFF2-40B4-BE49-F238E27FC236}">
+                <a16:creationId xmlns:a16="http://schemas.microsoft.com/office/drawing/2014/main" id="{8FF0940F-29F8-4BE2-9EDD-676BE00B4902}"/>
+              </a:ext>
+            </a:extLst>
+          </p:cNvPr>
+          <p:cNvPicPr>
+            <a:picLocks noChangeAspect="1" noChangeArrowheads="1"/>
+          </p:cNvPicPr>
+          <p:nvPr/>
+        </p:nvPicPr>
+        <p:blipFill>
+          <a:blip r:embed="rId3">
+            <a:extLst>
+              <a:ext uri="{28A0092B-C50C-407E-A947-70E740481C1C}">
+                <a14:useLocalDpi xmlns:a14="http://schemas.microsoft.com/office/drawing/2010/main" val="0"/>
+              </a:ext>
+            </a:extLst>
+          </a:blip>
+          <a:srcRect/>
+          <a:stretch>
+            <a:fillRect/>
+          </a:stretch>
+        </p:blipFill>
+        <p:spPr bwMode="auto">
+          <a:xfrm>
+            <a:off x="7569462" y="3402627"/>
+            <a:ext cx="3784338" cy="3310035"/>
+          </a:xfrm>
+          <a:prstGeom prst="rect">
+            <a:avLst/>
+          </a:prstGeom>
+          <a:noFill/>
+          <a:extLst>
+            <a:ext uri="{909E8E84-426E-40DD-AFC4-6F175D3DCCD1}">
+              <a14:hiddenFill xmlns:a14="http://schemas.microsoft.com/office/drawing/2010/main">
+                <a:solidFill>
+                  <a:srgbClr val="FFFFFF"/>
+                </a:solidFill>
+              </a14:hiddenFill>
+            </a:ext>
+          </a:extLst>
+        </p:spPr>
+      </p:pic>
+      <p:pic>
+        <p:nvPicPr>
+          <p:cNvPr id="10" name="Picture 9">
+            <a:extLst>
+              <a:ext uri="{FF2B5EF4-FFF2-40B4-BE49-F238E27FC236}">
+                <a16:creationId xmlns:a16="http://schemas.microsoft.com/office/drawing/2014/main" id="{249E853E-B1D9-4CEB-AC80-F9B9CFAECDD2}"/>
+              </a:ext>
+            </a:extLst>
+          </p:cNvPr>
+          <p:cNvPicPr>
+            <a:picLocks noChangeAspect="1"/>
+          </p:cNvPicPr>
+          <p:nvPr/>
+        </p:nvPicPr>
+        <p:blipFill>
+          <a:blip r:embed="rId4">
+            <a:extLst>
+              <a:ext uri="{28A0092B-C50C-407E-A947-70E740481C1C}">
+                <a14:useLocalDpi xmlns:a14="http://schemas.microsoft.com/office/drawing/2010/main" val="0"/>
+              </a:ext>
+            </a:extLst>
+          </a:blip>
+          <a:stretch>
+            <a:fillRect/>
+          </a:stretch>
+        </p:blipFill>
+        <p:spPr>
+          <a:xfrm>
+            <a:off x="838200" y="3236167"/>
+            <a:ext cx="3621833" cy="3621833"/>
+          </a:xfrm>
+          <a:prstGeom prst="rect">
+            <a:avLst/>
+          </a:prstGeom>
+        </p:spPr>
+      </p:pic>
+    </p:spTree>
+    <p:extLst>
+      <p:ext uri="{BB962C8B-B14F-4D97-AF65-F5344CB8AC3E}">
+        <p14:creationId xmlns:p14="http://schemas.microsoft.com/office/powerpoint/2010/main" val="1217363138"/>
+      </p:ext>
+    </p:extLst>
+  </p:cSld>
+  <p:clrMapOvr>
+    <a:masterClrMapping/>
+  </p:clrMapOvr>
+  <p:timing>
+    <p:tnLst>
+      <p:par>
+        <p:cTn id="1" dur="indefinite" restart="never" nodeType="tmRoot">
+          <p:childTnLst>
+            <p:seq concurrent="1" nextAc="seek">
+              <p:cTn id="2" dur="indefinite" nodeType="mainSeq">
+                <p:childTnLst>
+                  <p:par>
+                    <p:cTn id="3" fill="hold">
+                      <p:stCondLst>
+                        <p:cond delay="indefinite"/>
+                        <p:cond evt="onBegin" delay="0">
+                          <p:tn val="2"/>
+                        </p:cond>
+                      </p:stCondLst>
+                      <p:childTnLst>
+                        <p:par>
+                          <p:cTn id="4" fill="hold">
+                            <p:stCondLst>
+                              <p:cond delay="0"/>
+                            </p:stCondLst>
+                            <p:childTnLst>
+                              <p:par>
+                                <p:cTn id="5" presetID="53" presetClass="entr" presetSubtype="16" fill="hold" nodeType="withEffect">
+                                  <p:stCondLst>
+                                    <p:cond delay="0"/>
+                                  </p:stCondLst>
+                                  <p:childTnLst>
+                                    <p:set>
+                                      <p:cBhvr>
+                                        <p:cTn id="6" dur="1" fill="hold">
+                                          <p:stCondLst>
+                                            <p:cond delay="0"/>
+                                          </p:stCondLst>
+                                        </p:cTn>
+                                        <p:tgtEl>
+                                          <p:spTgt spid="10"/>
+                                        </p:tgtEl>
+                                        <p:attrNameLst>
+                                          <p:attrName>style.visibility</p:attrName>
+                                        </p:attrNameLst>
+                                      </p:cBhvr>
+                                      <p:to>
+                                        <p:strVal val="visible"/>
+                                      </p:to>
+                                    </p:set>
+                                    <p:anim calcmode="lin" valueType="num">
+                                      <p:cBhvr>
+                                        <p:cTn id="7" dur="500" fill="hold"/>
+                                        <p:tgtEl>
+                                          <p:spTgt spid="10"/>
+                                        </p:tgtEl>
+                                        <p:attrNameLst>
+                                          <p:attrName>ppt_w</p:attrName>
+                                        </p:attrNameLst>
+                                      </p:cBhvr>
+                                      <p:tavLst>
+                                        <p:tav tm="0">
+                                          <p:val>
+                                            <p:fltVal val="0"/>
+                                          </p:val>
+                                        </p:tav>
+                                        <p:tav tm="100000">
+                                          <p:val>
+                                            <p:strVal val="#ppt_w"/>
+                                          </p:val>
+                                        </p:tav>
+                                      </p:tavLst>
+                                    </p:anim>
+                                    <p:anim calcmode="lin" valueType="num">
+                                      <p:cBhvr>
+                                        <p:cTn id="8" dur="500" fill="hold"/>
+                                        <p:tgtEl>
+                                          <p:spTgt spid="10"/>
+                                        </p:tgtEl>
+                                        <p:attrNameLst>
+                                          <p:attrName>ppt_h</p:attrName>
+                                        </p:attrNameLst>
+                                      </p:cBhvr>
+                                      <p:tavLst>
+                                        <p:tav tm="0">
+                                          <p:val>
+                                            <p:fltVal val="0"/>
+                                          </p:val>
+                                        </p:tav>
+                                        <p:tav tm="100000">
+                                          <p:val>
+                                            <p:strVal val="#ppt_h"/>
+                                          </p:val>
+                                        </p:tav>
+                                      </p:tavLst>
+                                    </p:anim>
+                                    <p:animEffect transition="in" filter="fade">
+                                      <p:cBhvr>
+                                        <p:cTn id="9" dur="500"/>
+                                        <p:tgtEl>
+                                          <p:spTgt spid="10"/>
+                                        </p:tgtEl>
+                                      </p:cBhvr>
+                                    </p:animEffect>
+                                  </p:childTnLst>
+                                </p:cTn>
+                              </p:par>
+                              <p:par>
+                                <p:cTn id="10" presetID="2" presetClass="entr" presetSubtype="4" fill="hold" grpId="0" nodeType="withEffect">
+                                  <p:stCondLst>
+                                    <p:cond delay="250"/>
+                                  </p:stCondLst>
+                                  <p:childTnLst>
+                                    <p:set>
+                                      <p:cBhvr>
+                                        <p:cTn id="11" dur="1" fill="hold">
+                                          <p:stCondLst>
+                                            <p:cond delay="0"/>
+                                          </p:stCondLst>
+                                        </p:cTn>
+                                        <p:tgtEl>
+                                          <p:spTgt spid="3">
+                                            <p:txEl>
+                                              <p:pRg st="0" end="0"/>
+                                            </p:txEl>
+                                          </p:spTgt>
+                                        </p:tgtEl>
+                                        <p:attrNameLst>
+                                          <p:attrName>style.visibility</p:attrName>
+                                        </p:attrNameLst>
+                                      </p:cBhvr>
+                                      <p:to>
+                                        <p:strVal val="visible"/>
+                                      </p:to>
+                                    </p:set>
+                                    <p:anim calcmode="lin" valueType="num">
+                                      <p:cBhvr additive="base">
+                                        <p:cTn id="12" dur="500" fill="hold"/>
+                                        <p:tgtEl>
+                                          <p:spTgt spid="3">
+                                            <p:txEl>
+                                              <p:pRg st="0" end="0"/>
+                                            </p:txEl>
+                                          </p:spTgt>
+                                        </p:tgtEl>
+                                        <p:attrNameLst>
+                                          <p:attrName>ppt_x</p:attrName>
+                                        </p:attrNameLst>
+                                      </p:cBhvr>
+                                      <p:tavLst>
+                                        <p:tav tm="0">
+                                          <p:val>
+                                            <p:strVal val="#ppt_x"/>
+                                          </p:val>
+                                        </p:tav>
+                                        <p:tav tm="100000">
+                                          <p:val>
+                                            <p:strVal val="#ppt_x"/>
+                                          </p:val>
+                                        </p:tav>
+                                      </p:tavLst>
+                                    </p:anim>
+                                    <p:anim calcmode="lin" valueType="num">
+                                      <p:cBhvr additive="base">
+                                        <p:cTn id="13" dur="500" fill="hold"/>
+                                        <p:tgtEl>
+                                          <p:spTgt spid="3">
+                                            <p:txEl>
+                                              <p:pRg st="0" end="0"/>
+                                            </p:txEl>
+                                          </p:spTgt>
+                                        </p:tgtEl>
+                                        <p:attrNameLst>
+                                          <p:attrName>ppt_y</p:attrName>
+                                        </p:attrNameLst>
+                                      </p:cBhvr>
+                                      <p:tavLst>
+                                        <p:tav tm="0">
+                                          <p:val>
+                                            <p:strVal val="1+#ppt_h/2"/>
+                                          </p:val>
+                                        </p:tav>
+                                        <p:tav tm="100000">
+                                          <p:val>
+                                            <p:strVal val="#ppt_y"/>
+                                          </p:val>
+                                        </p:tav>
+                                      </p:tavLst>
+                                    </p:anim>
+                                  </p:childTnLst>
+                                </p:cTn>
+                              </p:par>
+                            </p:childTnLst>
+                          </p:cTn>
+                        </p:par>
+                      </p:childTnLst>
+                    </p:cTn>
+                  </p:par>
+                </p:childTnLst>
+              </p:cTn>
+              <p:prevCondLst>
+                <p:cond evt="onPrev" delay="0">
+                  <p:tgtEl>
+                    <p:sldTgt/>
+                  </p:tgtEl>
+                </p:cond>
+              </p:prevCondLst>
+              <p:nextCondLst>
+                <p:cond evt="onNext" delay="0">
+                  <p:tgtEl>
+                    <p:sldTgt/>
+                  </p:tgtEl>
+                </p:cond>
+              </p:nextCondLst>
+            </p:seq>
+          </p:childTnLst>
+        </p:cTn>
+      </p:par>
+    </p:tnLst>
+    <p:bldLst>
+      <p:bldP spid="3" grpId="0" build="p"/>
+    </p:bldLst>
+  </p:timing>
+</p:sld>
+</file>
+
+<file path=ppt/slides/slide7.xml><?xml version="1.0" encoding="utf-8"?>
+<p:sld xmlns:a="http://schemas.openxmlformats.org/drawingml/2006/main" xmlns:r="http://schemas.openxmlformats.org/officeDocument/2006/relationships" xmlns:p="http://schemas.openxmlformats.org/presentationml/2006/main">
+  <p:cSld>
+    <p:spTree>
+      <p:nvGrpSpPr>
+        <p:cNvPr id="1" name=""/>
+        <p:cNvGrpSpPr/>
+        <p:nvPr/>
+      </p:nvGrpSpPr>
+      <p:grpSpPr>
+        <a:xfrm>
+          <a:off x="0" y="0"/>
+          <a:ext cx="0" cy="0"/>
+          <a:chOff x="0" y="0"/>
+          <a:chExt cx="0" cy="0"/>
+        </a:xfrm>
+      </p:grpSpPr>
+      <p:pic>
+        <p:nvPicPr>
+          <p:cNvPr id="4" name="Picture 3">
+            <a:extLst>
+              <a:ext uri="{FF2B5EF4-FFF2-40B4-BE49-F238E27FC236}">
+                <a16:creationId xmlns:a16="http://schemas.microsoft.com/office/drawing/2014/main" id="{9C6BC11B-16F8-4167-BE93-E588209A1746}"/>
+              </a:ext>
+            </a:extLst>
+          </p:cNvPr>
+          <p:cNvPicPr>
+            <a:picLocks noChangeAspect="1"/>
+          </p:cNvPicPr>
+          <p:nvPr/>
+        </p:nvPicPr>
+        <p:blipFill>
+          <a:blip r:embed="rId2">
+            <a:extLst>
+              <a:ext uri="{28A0092B-C50C-407E-A947-70E740481C1C}">
+                <a14:useLocalDpi xmlns:a14="http://schemas.microsoft.com/office/drawing/2010/main" val="0"/>
+              </a:ext>
+            </a:extLst>
+          </a:blip>
+          <a:stretch>
+            <a:fillRect/>
+          </a:stretch>
+        </p:blipFill>
+        <p:spPr>
+          <a:xfrm>
+            <a:off x="0" y="0"/>
+            <a:ext cx="12192000" cy="6858000"/>
+          </a:xfrm>
+          <a:prstGeom prst="rect">
+            <a:avLst/>
+          </a:prstGeom>
+        </p:spPr>
+      </p:pic>
+      <p:sp>
+        <p:nvSpPr>
+          <p:cNvPr id="2" name="Title 1">
+            <a:extLst>
+              <a:ext uri="{FF2B5EF4-FFF2-40B4-BE49-F238E27FC236}">
+                <a16:creationId xmlns:a16="http://schemas.microsoft.com/office/drawing/2014/main" id="{5CF0DA91-2EEA-4778-A36B-6638AA3C66B7}"/>
+              </a:ext>
+            </a:extLst>
+          </p:cNvPr>
+          <p:cNvSpPr>
+            <a:spLocks noGrp="1"/>
+          </p:cNvSpPr>
+          <p:nvPr>
+            <p:ph type="title"/>
+          </p:nvPr>
+        </p:nvSpPr>
+        <p:spPr/>
+        <p:txBody>
+          <a:bodyPr>
+            <a:normAutofit/>
+          </a:bodyPr>
+          <a:lstStyle/>
+          <a:p>
+            <a:r>
+              <a:rPr lang="en-US" sz="3200" b="1" dirty="0">
+                <a:solidFill>
+                  <a:schemeClr val="bg1"/>
+                </a:solidFill>
+                <a:latin typeface="Arial" panose="020B0604020202020204" pitchFamily="34" charset="0"/>
+                <a:cs typeface="Arial" panose="020B0604020202020204" pitchFamily="34" charset="0"/>
+              </a:rPr>
+              <a:t>Custom Elements</a:t>
+            </a:r>
+            <a:endParaRPr lang="ru-MD" sz="3200" b="1" dirty="0">
+              <a:solidFill>
+                <a:schemeClr val="bg1"/>
+              </a:solidFill>
+              <a:latin typeface="Arial" panose="020B0604020202020204" pitchFamily="34" charset="0"/>
+              <a:cs typeface="Arial" panose="020B0604020202020204" pitchFamily="34" charset="0"/>
+            </a:endParaRPr>
+          </a:p>
+        </p:txBody>
+      </p:sp>
+      <p:sp>
+        <p:nvSpPr>
+          <p:cNvPr id="3" name="Content Placeholder 2">
+            <a:extLst>
+              <a:ext uri="{FF2B5EF4-FFF2-40B4-BE49-F238E27FC236}">
+                <a16:creationId xmlns:a16="http://schemas.microsoft.com/office/drawing/2014/main" id="{41331918-B80C-4145-8CE9-72A68CCEB522}"/>
+              </a:ext>
+            </a:extLst>
+          </p:cNvPr>
+          <p:cNvSpPr>
+            <a:spLocks noGrp="1"/>
+          </p:cNvSpPr>
+          <p:nvPr>
+            <p:ph idx="1"/>
+          </p:nvPr>
+        </p:nvSpPr>
+        <p:spPr/>
+        <p:txBody>
+          <a:bodyPr>
+            <a:normAutofit/>
+          </a:bodyPr>
+          <a:lstStyle/>
+          <a:p>
+            <a:endParaRPr lang="ru-MD" sz="2000" dirty="0"/>
+          </a:p>
+        </p:txBody>
+      </p:sp>
+    </p:spTree>
+    <p:extLst>
+      <p:ext uri="{BB962C8B-B14F-4D97-AF65-F5344CB8AC3E}">
+        <p14:creationId xmlns:p14="http://schemas.microsoft.com/office/powerpoint/2010/main" val="849525550"/>
+      </p:ext>
+    </p:extLst>
+  </p:cSld>
+  <p:clrMapOvr>
+    <a:masterClrMapping/>
+  </p:clrMapOvr>
+</p:sld>
+</file>
+
+<file path=ppt/slides/slide8.xml><?xml version="1.0" encoding="utf-8"?>
+<p:sld xmlns:a="http://schemas.openxmlformats.org/drawingml/2006/main" xmlns:r="http://schemas.openxmlformats.org/officeDocument/2006/relationships" xmlns:p="http://schemas.openxmlformats.org/presentationml/2006/main">
+  <p:cSld>
+    <p:spTree>
+      <p:nvGrpSpPr>
+        <p:cNvPr id="1" name=""/>
+        <p:cNvGrpSpPr/>
+        <p:nvPr/>
+      </p:nvGrpSpPr>
+      <p:grpSpPr>
+        <a:xfrm>
+          <a:off x="0" y="0"/>
+          <a:ext cx="0" cy="0"/>
+          <a:chOff x="0" y="0"/>
+          <a:chExt cx="0" cy="0"/>
+        </a:xfrm>
+      </p:grpSpPr>
+      <p:pic>
+        <p:nvPicPr>
+          <p:cNvPr id="4" name="Picture 3">
+            <a:extLst>
+              <a:ext uri="{FF2B5EF4-FFF2-40B4-BE49-F238E27FC236}">
+                <a16:creationId xmlns:a16="http://schemas.microsoft.com/office/drawing/2014/main" id="{E883802F-23E2-4F46-9F21-5807EF8C4263}"/>
+              </a:ext>
+            </a:extLst>
+          </p:cNvPr>
+          <p:cNvPicPr>
+            <a:picLocks noChangeAspect="1"/>
+          </p:cNvPicPr>
+          <p:nvPr/>
+        </p:nvPicPr>
+        <p:blipFill>
+          <a:blip r:embed="rId2">
+            <a:extLst>
+              <a:ext uri="{28A0092B-C50C-407E-A947-70E740481C1C}">
+                <a14:useLocalDpi xmlns:a14="http://schemas.microsoft.com/office/drawing/2010/main" val="0"/>
+              </a:ext>
+            </a:extLst>
+          </a:blip>
+          <a:stretch>
+            <a:fillRect/>
+          </a:stretch>
+        </p:blipFill>
+        <p:spPr>
+          <a:xfrm>
+            <a:off x="0" y="0"/>
+            <a:ext cx="12192000" cy="6858000"/>
+          </a:xfrm>
+          <a:prstGeom prst="rect">
+            <a:avLst/>
+          </a:prstGeom>
+        </p:spPr>
+      </p:pic>
+      <p:sp>
+        <p:nvSpPr>
+          <p:cNvPr id="2" name="Title 1">
+            <a:extLst>
+              <a:ext uri="{FF2B5EF4-FFF2-40B4-BE49-F238E27FC236}">
+                <a16:creationId xmlns:a16="http://schemas.microsoft.com/office/drawing/2014/main" id="{037D6B32-86BD-4D7C-8AE0-CC556814B6A7}"/>
+              </a:ext>
+            </a:extLst>
+          </p:cNvPr>
+          <p:cNvSpPr>
+            <a:spLocks noGrp="1"/>
+          </p:cNvSpPr>
+          <p:nvPr>
+            <p:ph type="title"/>
+          </p:nvPr>
+        </p:nvSpPr>
+        <p:spPr/>
+        <p:txBody>
+          <a:bodyPr>
+            <a:normAutofit/>
+          </a:bodyPr>
+          <a:lstStyle/>
+          <a:p>
+            <a:r>
+              <a:rPr lang="en-US" sz="3200" b="1" dirty="0">
+                <a:solidFill>
+                  <a:schemeClr val="bg1"/>
+                </a:solidFill>
+                <a:latin typeface="Arial" panose="020B0604020202020204" pitchFamily="34" charset="0"/>
+                <a:cs typeface="Arial" panose="020B0604020202020204" pitchFamily="34" charset="0"/>
+              </a:rPr>
+              <a:t>Custom Elements</a:t>
+            </a:r>
+            <a:endParaRPr lang="ru-MD" sz="3200" dirty="0">
+              <a:solidFill>
+                <a:schemeClr val="bg1"/>
+              </a:solidFill>
+              <a:latin typeface="Arial" panose="020B0604020202020204" pitchFamily="34" charset="0"/>
+              <a:cs typeface="Arial" panose="020B0604020202020204" pitchFamily="34" charset="0"/>
+            </a:endParaRPr>
+          </a:p>
+        </p:txBody>
+      </p:sp>
+      <p:sp>
+        <p:nvSpPr>
+          <p:cNvPr id="3" name="Content Placeholder 2">
+            <a:extLst>
+              <a:ext uri="{FF2B5EF4-FFF2-40B4-BE49-F238E27FC236}">
+                <a16:creationId xmlns:a16="http://schemas.microsoft.com/office/drawing/2014/main" id="{779A8515-53D4-4ADB-A4E9-29A86635FBB2}"/>
+              </a:ext>
+            </a:extLst>
+          </p:cNvPr>
+          <p:cNvSpPr>
+            <a:spLocks noGrp="1"/>
+          </p:cNvSpPr>
+          <p:nvPr>
+            <p:ph idx="1"/>
+          </p:nvPr>
+        </p:nvSpPr>
+        <p:spPr/>
+        <p:txBody>
+          <a:bodyPr>
+            <a:normAutofit/>
+          </a:bodyPr>
+          <a:lstStyle/>
+          <a:p>
+            <a:endParaRPr lang="ru-MD" sz="2000" dirty="0"/>
+          </a:p>
+        </p:txBody>
+      </p:sp>
+    </p:spTree>
+    <p:extLst>
+      <p:ext uri="{BB962C8B-B14F-4D97-AF65-F5344CB8AC3E}">
+        <p14:creationId xmlns:p14="http://schemas.microsoft.com/office/powerpoint/2010/main" val="1611610289"/>
+      </p:ext>
+    </p:extLst>
+  </p:cSld>
+  <p:clrMapOvr>
+    <a:masterClrMapping/>
+  </p:clrMapOvr>
+</p:sld>
+</file>
+
+<file path=ppt/slides/slide9.xml><?xml version="1.0" encoding="utf-8"?>
+<p:sld xmlns:a="http://schemas.openxmlformats.org/drawingml/2006/main" xmlns:r="http://schemas.openxmlformats.org/officeDocument/2006/relationships" xmlns:p="http://schemas.openxmlformats.org/presentationml/2006/main">
+  <p:cSld>
+    <p:spTree>
+      <p:nvGrpSpPr>
+        <p:cNvPr id="1" name=""/>
+        <p:cNvGrpSpPr/>
+        <p:nvPr/>
+      </p:nvGrpSpPr>
+      <p:grpSpPr>
+        <a:xfrm>
+          <a:off x="0" y="0"/>
+          <a:ext cx="0" cy="0"/>
+          <a:chOff x="0" y="0"/>
+          <a:chExt cx="0" cy="0"/>
+        </a:xfrm>
+      </p:grpSpPr>
+      <p:pic>
+        <p:nvPicPr>
+          <p:cNvPr id="4" name="Picture 3">
+            <a:extLst>
+              <a:ext uri="{FF2B5EF4-FFF2-40B4-BE49-F238E27FC236}">
+                <a16:creationId xmlns:a16="http://schemas.microsoft.com/office/drawing/2014/main" id="{D6FDB34B-D9CA-4A87-B009-AF596BF4661D}"/>
+              </a:ext>
+            </a:extLst>
+          </p:cNvPr>
+          <p:cNvPicPr>
+            <a:picLocks noChangeAspect="1"/>
+          </p:cNvPicPr>
+          <p:nvPr/>
+        </p:nvPicPr>
+        <p:blipFill>
+          <a:blip r:embed="rId2">
+            <a:extLst>
+              <a:ext uri="{28A0092B-C50C-407E-A947-70E740481C1C}">
+                <a14:useLocalDpi xmlns:a14="http://schemas.microsoft.com/office/drawing/2010/main" val="0"/>
+              </a:ext>
+            </a:extLst>
+          </a:blip>
+          <a:stretch>
+            <a:fillRect/>
+          </a:stretch>
+        </p:blipFill>
+        <p:spPr>
+          <a:xfrm>
+            <a:off x="0" y="0"/>
+            <a:ext cx="12192000" cy="6858000"/>
+          </a:xfrm>
+          <a:prstGeom prst="rect">
+            <a:avLst/>
+          </a:prstGeom>
+        </p:spPr>
+      </p:pic>
+      <p:sp>
+        <p:nvSpPr>
+          <p:cNvPr id="2" name="Title 1">
+            <a:extLst>
+              <a:ext uri="{FF2B5EF4-FFF2-40B4-BE49-F238E27FC236}">
+                <a16:creationId xmlns:a16="http://schemas.microsoft.com/office/drawing/2014/main" id="{30724B4C-A104-471B-AC97-A834A2554901}"/>
+              </a:ext>
+            </a:extLst>
+          </p:cNvPr>
+          <p:cNvSpPr>
+            <a:spLocks noGrp="1"/>
+          </p:cNvSpPr>
+          <p:nvPr>
+            <p:ph type="title"/>
+          </p:nvPr>
+        </p:nvSpPr>
+        <p:spPr/>
+        <p:txBody>
+          <a:bodyPr>
+            <a:normAutofit/>
+          </a:bodyPr>
+          <a:lstStyle/>
+          <a:p>
+            <a:r>
+              <a:rPr lang="en-US" sz="3200" b="1" dirty="0">
+                <a:solidFill>
+                  <a:schemeClr val="bg1"/>
+                </a:solidFill>
+                <a:latin typeface="Arial" panose="020B0604020202020204" pitchFamily="34" charset="0"/>
+                <a:cs typeface="Arial" panose="020B0604020202020204" pitchFamily="34" charset="0"/>
+              </a:rPr>
+              <a:t>Lazy Loading</a:t>
+            </a:r>
+            <a:endParaRPr lang="ru-MD" sz="3200" b="1" dirty="0">
+              <a:solidFill>
+                <a:schemeClr val="bg1"/>
+              </a:solidFill>
+              <a:latin typeface="Arial" panose="020B0604020202020204" pitchFamily="34" charset="0"/>
+              <a:cs typeface="Arial" panose="020B0604020202020204" pitchFamily="34" charset="0"/>
+            </a:endParaRPr>
+          </a:p>
+        </p:txBody>
+      </p:sp>
+      <p:sp>
+        <p:nvSpPr>
+          <p:cNvPr id="3" name="Content Placeholder 2">
+            <a:extLst>
+              <a:ext uri="{FF2B5EF4-FFF2-40B4-BE49-F238E27FC236}">
+                <a16:creationId xmlns:a16="http://schemas.microsoft.com/office/drawing/2014/main" id="{CA7FFF2A-0CF5-4DAE-B3C4-381453E61E62}"/>
+              </a:ext>
+            </a:extLst>
+          </p:cNvPr>
+          <p:cNvSpPr>
+            <a:spLocks noGrp="1"/>
+          </p:cNvSpPr>
+          <p:nvPr>
+            <p:ph idx="1"/>
+          </p:nvPr>
+        </p:nvSpPr>
+        <p:spPr/>
+        <p:txBody>
+          <a:bodyPr>
+            <a:normAutofit/>
+          </a:bodyPr>
+          <a:lstStyle/>
+          <a:p>
+            <a:endParaRPr lang="ru-MD" sz="2000" dirty="0"/>
+          </a:p>
+        </p:txBody>
+      </p:sp>
+    </p:spTree>
+    <p:extLst>
+      <p:ext uri="{BB962C8B-B14F-4D97-AF65-F5344CB8AC3E}">
+        <p14:creationId xmlns:p14="http://schemas.microsoft.com/office/powerpoint/2010/main" val="3052420715"/>
       </p:ext>
     </p:extLst>
   </p:cSld>
